--- a/slides/Week6_Recap.pptx
+++ b/slides/Week6_Recap.pptx
@@ -5,22 +5,23 @@
     <p:sldMasterId id="2147485087" r:id="rId1"/>
   </p:sldMasterIdLst>
   <p:notesMasterIdLst>
-    <p:notesMasterId r:id="rId12"/>
+    <p:notesMasterId r:id="rId13"/>
   </p:notesMasterIdLst>
   <p:handoutMasterIdLst>
-    <p:handoutMasterId r:id="rId13"/>
+    <p:handoutMasterId r:id="rId14"/>
   </p:handoutMasterIdLst>
   <p:sldIdLst>
     <p:sldId id="256" r:id="rId2"/>
     <p:sldId id="606" r:id="rId3"/>
     <p:sldId id="605" r:id="rId4"/>
     <p:sldId id="620" r:id="rId5"/>
-    <p:sldId id="622" r:id="rId6"/>
-    <p:sldId id="635" r:id="rId7"/>
-    <p:sldId id="553" r:id="rId8"/>
-    <p:sldId id="637" r:id="rId9"/>
-    <p:sldId id="602" r:id="rId10"/>
-    <p:sldId id="525" r:id="rId11"/>
+    <p:sldId id="638" r:id="rId6"/>
+    <p:sldId id="622" r:id="rId7"/>
+    <p:sldId id="635" r:id="rId8"/>
+    <p:sldId id="553" r:id="rId9"/>
+    <p:sldId id="637" r:id="rId10"/>
+    <p:sldId id="602" r:id="rId11"/>
+    <p:sldId id="525" r:id="rId12"/>
   </p:sldIdLst>
   <p:sldSz cx="9144000" cy="6858000" type="screen4x3"/>
   <p:notesSz cx="7010400" cy="9296400"/>
@@ -185,7 +186,8 @@
 <file path=ppt/revisionInfo.xml><?xml version="1.0" encoding="utf-8"?>
 <p1510:revInfo xmlns:a="http://schemas.openxmlformats.org/drawingml/2006/main" xmlns:r="http://schemas.openxmlformats.org/officeDocument/2006/relationships" xmlns:p1510="http://schemas.microsoft.com/office/powerpoint/2015/10/main">
   <p1510:revLst>
-    <p1510:client id="{6F17B5A8-8938-4206-8B5F-1DF9007C99AC}" v="1108" dt="2021-03-01T07:17:37.118"/>
+    <p1510:client id="{6F17B5A8-8938-4206-8B5F-1DF9007C99AC}" v="4" dt="2021-03-08T06:53:03.979"/>
+    <p1510:client id="{D2C53CB4-D98E-4A4D-AB3B-F903C3FA77B9}" v="24" dt="2021-03-08T05:37:18.936"/>
   </p1510:revLst>
 </p1510:revInfo>
 </file>
@@ -558,9 +560,182 @@
     </pc:docChg>
   </pc:docChgLst>
   <pc:docChgLst>
+    <pc:chgData name="Zhao Jin" userId="cd05a825-544c-438a-9ba1-08e63db50b47" providerId="ADAL" clId="{C328B041-D897-B548-9F0A-DA2B3CC3BF8E}"/>
+    <pc:docChg chg="undo custSel modSld">
+      <pc:chgData name="Zhao Jin" userId="cd05a825-544c-438a-9ba1-08e63db50b47" providerId="ADAL" clId="{C328B041-D897-B548-9F0A-DA2B3CC3BF8E}" dt="2021-03-08T02:30:29.708" v="502" actId="478"/>
+      <pc:docMkLst>
+        <pc:docMk/>
+      </pc:docMkLst>
+      <pc:sldChg chg="addSp delSp modSp">
+        <pc:chgData name="Zhao Jin" userId="cd05a825-544c-438a-9ba1-08e63db50b47" providerId="ADAL" clId="{C328B041-D897-B548-9F0A-DA2B3CC3BF8E}" dt="2021-03-08T01:59:34.595" v="472" actId="1076"/>
+        <pc:sldMkLst>
+          <pc:docMk/>
+          <pc:sldMk cId="640598186" sldId="606"/>
+        </pc:sldMkLst>
+        <pc:spChg chg="del mod">
+          <ac:chgData name="Zhao Jin" userId="cd05a825-544c-438a-9ba1-08e63db50b47" providerId="ADAL" clId="{C328B041-D897-B548-9F0A-DA2B3CC3BF8E}" dt="2021-03-08T01:57:38.912" v="292" actId="478"/>
+          <ac:spMkLst>
+            <pc:docMk/>
+            <pc:sldMk cId="640598186" sldId="606"/>
+            <ac:spMk id="2" creationId="{51C58C27-3B14-42B9-A7E7-EA4CB9CA7257}"/>
+          </ac:spMkLst>
+        </pc:spChg>
+        <pc:spChg chg="mod">
+          <ac:chgData name="Zhao Jin" userId="cd05a825-544c-438a-9ba1-08e63db50b47" providerId="ADAL" clId="{C328B041-D897-B548-9F0A-DA2B3CC3BF8E}" dt="2021-03-08T01:59:21.250" v="468" actId="20577"/>
+          <ac:spMkLst>
+            <pc:docMk/>
+            <pc:sldMk cId="640598186" sldId="606"/>
+            <ac:spMk id="8" creationId="{00000000-0000-0000-0000-000000000000}"/>
+          </ac:spMkLst>
+        </pc:spChg>
+        <pc:spChg chg="del mod">
+          <ac:chgData name="Zhao Jin" userId="cd05a825-544c-438a-9ba1-08e63db50b47" providerId="ADAL" clId="{C328B041-D897-B548-9F0A-DA2B3CC3BF8E}" dt="2021-03-08T01:57:38.912" v="292" actId="478"/>
+          <ac:spMkLst>
+            <pc:docMk/>
+            <pc:sldMk cId="640598186" sldId="606"/>
+            <ac:spMk id="11" creationId="{77437CA0-C20C-4626-A0E0-998E2B6D678A}"/>
+          </ac:spMkLst>
+        </pc:spChg>
+        <pc:picChg chg="add del mod">
+          <ac:chgData name="Zhao Jin" userId="cd05a825-544c-438a-9ba1-08e63db50b47" providerId="ADAL" clId="{C328B041-D897-B548-9F0A-DA2B3CC3BF8E}" dt="2021-03-08T01:57:23.305" v="289" actId="478"/>
+          <ac:picMkLst>
+            <pc:docMk/>
+            <pc:sldMk cId="640598186" sldId="606"/>
+            <ac:picMk id="3" creationId="{C72129A9-B0B8-864C-B99F-BE66C680F726}"/>
+          </ac:picMkLst>
+        </pc:picChg>
+        <pc:picChg chg="add mod">
+          <ac:chgData name="Zhao Jin" userId="cd05a825-544c-438a-9ba1-08e63db50b47" providerId="ADAL" clId="{C328B041-D897-B548-9F0A-DA2B3CC3BF8E}" dt="2021-03-08T01:59:34.595" v="472" actId="1076"/>
+          <ac:picMkLst>
+            <pc:docMk/>
+            <pc:sldMk cId="640598186" sldId="606"/>
+            <ac:picMk id="4" creationId="{1D40ECF6-344B-FE48-B159-24A367AE2581}"/>
+          </ac:picMkLst>
+        </pc:picChg>
+        <pc:picChg chg="del mod">
+          <ac:chgData name="Zhao Jin" userId="cd05a825-544c-438a-9ba1-08e63db50b47" providerId="ADAL" clId="{C328B041-D897-B548-9F0A-DA2B3CC3BF8E}" dt="2021-03-08T01:57:38.912" v="292" actId="478"/>
+          <ac:picMkLst>
+            <pc:docMk/>
+            <pc:sldMk cId="640598186" sldId="606"/>
+            <ac:picMk id="5" creationId="{242BC886-F834-413A-AE89-A5BA4EA26039}"/>
+          </ac:picMkLst>
+        </pc:picChg>
+        <pc:picChg chg="del mod">
+          <ac:chgData name="Zhao Jin" userId="cd05a825-544c-438a-9ba1-08e63db50b47" providerId="ADAL" clId="{C328B041-D897-B548-9F0A-DA2B3CC3BF8E}" dt="2021-03-08T01:57:38.912" v="292" actId="478"/>
+          <ac:picMkLst>
+            <pc:docMk/>
+            <pc:sldMk cId="640598186" sldId="606"/>
+            <ac:picMk id="13" creationId="{099946CC-D55C-427B-87A8-2A28E4640BC5}"/>
+          </ac:picMkLst>
+        </pc:picChg>
+        <pc:cxnChg chg="del mod">
+          <ac:chgData name="Zhao Jin" userId="cd05a825-544c-438a-9ba1-08e63db50b47" providerId="ADAL" clId="{C328B041-D897-B548-9F0A-DA2B3CC3BF8E}" dt="2021-03-08T01:57:38.912" v="292" actId="478"/>
+          <ac:cxnSpMkLst>
+            <pc:docMk/>
+            <pc:sldMk cId="640598186" sldId="606"/>
+            <ac:cxnSpMk id="18" creationId="{370E7FFF-A963-44C1-90E8-1FD6843962A5}"/>
+          </ac:cxnSpMkLst>
+        </pc:cxnChg>
+      </pc:sldChg>
+      <pc:sldChg chg="addSp delSp modSp delAnim modAnim">
+        <pc:chgData name="Zhao Jin" userId="cd05a825-544c-438a-9ba1-08e63db50b47" providerId="ADAL" clId="{C328B041-D897-B548-9F0A-DA2B3CC3BF8E}" dt="2021-03-08T02:29:23.604" v="485"/>
+        <pc:sldMkLst>
+          <pc:docMk/>
+          <pc:sldMk cId="282410985" sldId="620"/>
+        </pc:sldMkLst>
+        <pc:spChg chg="add">
+          <ac:chgData name="Zhao Jin" userId="cd05a825-544c-438a-9ba1-08e63db50b47" providerId="ADAL" clId="{C328B041-D897-B548-9F0A-DA2B3CC3BF8E}" dt="2021-03-08T02:29:17.041" v="484"/>
+          <ac:spMkLst>
+            <pc:docMk/>
+            <pc:sldMk cId="282410985" sldId="620"/>
+            <ac:spMk id="10" creationId="{2EDFDD67-6333-9844-8194-21DDDD857199}"/>
+          </ac:spMkLst>
+        </pc:spChg>
+        <pc:spChg chg="del">
+          <ac:chgData name="Zhao Jin" userId="cd05a825-544c-438a-9ba1-08e63db50b47" providerId="ADAL" clId="{C328B041-D897-B548-9F0A-DA2B3CC3BF8E}" dt="2021-03-08T02:09:27.105" v="473" actId="478"/>
+          <ac:spMkLst>
+            <pc:docMk/>
+            <pc:sldMk cId="282410985" sldId="620"/>
+            <ac:spMk id="10" creationId="{DC015A31-59EB-4945-B34A-AB4D01672DA6}"/>
+          </ac:spMkLst>
+        </pc:spChg>
+        <pc:spChg chg="mod">
+          <ac:chgData name="Zhao Jin" userId="cd05a825-544c-438a-9ba1-08e63db50b47" providerId="ADAL" clId="{C328B041-D897-B548-9F0A-DA2B3CC3BF8E}" dt="2021-03-08T02:27:37.686" v="482" actId="368"/>
+          <ac:spMkLst>
+            <pc:docMk/>
+            <pc:sldMk cId="282410985" sldId="620"/>
+            <ac:spMk id="13" creationId="{A6C30920-C994-477D-BF38-FB31A7971AB0}"/>
+          </ac:spMkLst>
+        </pc:spChg>
+        <pc:spChg chg="mod">
+          <ac:chgData name="Zhao Jin" userId="cd05a825-544c-438a-9ba1-08e63db50b47" providerId="ADAL" clId="{C328B041-D897-B548-9F0A-DA2B3CC3BF8E}" dt="2021-03-08T02:26:37.837" v="474" actId="207"/>
+          <ac:spMkLst>
+            <pc:docMk/>
+            <pc:sldMk cId="282410985" sldId="620"/>
+            <ac:spMk id="16" creationId="{7D612F80-F399-47C0-9F5C-4D60AC2C8B4A}"/>
+          </ac:spMkLst>
+        </pc:spChg>
+        <pc:spChg chg="mod">
+          <ac:chgData name="Zhao Jin" userId="cd05a825-544c-438a-9ba1-08e63db50b47" providerId="ADAL" clId="{C328B041-D897-B548-9F0A-DA2B3CC3BF8E}" dt="2021-03-08T02:27:17.031" v="480" actId="20577"/>
+          <ac:spMkLst>
+            <pc:docMk/>
+            <pc:sldMk cId="282410985" sldId="620"/>
+            <ac:spMk id="17" creationId="{C3484D0C-7905-4424-BBC9-B23C55F335D2}"/>
+          </ac:spMkLst>
+        </pc:spChg>
+        <pc:cxnChg chg="add">
+          <ac:chgData name="Zhao Jin" userId="cd05a825-544c-438a-9ba1-08e63db50b47" providerId="ADAL" clId="{C328B041-D897-B548-9F0A-DA2B3CC3BF8E}" dt="2021-03-08T02:29:17.041" v="484"/>
+          <ac:cxnSpMkLst>
+            <pc:docMk/>
+            <pc:sldMk cId="282410985" sldId="620"/>
+            <ac:cxnSpMk id="11" creationId="{3EB55ED0-34DD-3648-82BE-386DCFECCD9D}"/>
+          </ac:cxnSpMkLst>
+        </pc:cxnChg>
+        <pc:cxnChg chg="del mod">
+          <ac:chgData name="Zhao Jin" userId="cd05a825-544c-438a-9ba1-08e63db50b47" providerId="ADAL" clId="{C328B041-D897-B548-9F0A-DA2B3CC3BF8E}" dt="2021-03-08T02:09:27.105" v="473" actId="478"/>
+          <ac:cxnSpMkLst>
+            <pc:docMk/>
+            <pc:sldMk cId="282410985" sldId="620"/>
+            <ac:cxnSpMk id="11" creationId="{692DA3A9-F762-430E-A74A-81B0C7CCC482}"/>
+          </ac:cxnSpMkLst>
+        </pc:cxnChg>
+      </pc:sldChg>
+      <pc:sldChg chg="modAnim">
+        <pc:chgData name="Zhao Jin" userId="cd05a825-544c-438a-9ba1-08e63db50b47" providerId="ADAL" clId="{C328B041-D897-B548-9F0A-DA2B3CC3BF8E}" dt="2021-03-08T02:28:00.489" v="483"/>
+        <pc:sldMkLst>
+          <pc:docMk/>
+          <pc:sldMk cId="3503582036" sldId="622"/>
+        </pc:sldMkLst>
+      </pc:sldChg>
+      <pc:sldChg chg="delSp modSp modAnim">
+        <pc:chgData name="Zhao Jin" userId="cd05a825-544c-438a-9ba1-08e63db50b47" providerId="ADAL" clId="{C328B041-D897-B548-9F0A-DA2B3CC3BF8E}" dt="2021-03-08T02:30:29.708" v="502" actId="478"/>
+        <pc:sldMkLst>
+          <pc:docMk/>
+          <pc:sldMk cId="1258830549" sldId="635"/>
+        </pc:sldMkLst>
+        <pc:spChg chg="mod">
+          <ac:chgData name="Zhao Jin" userId="cd05a825-544c-438a-9ba1-08e63db50b47" providerId="ADAL" clId="{C328B041-D897-B548-9F0A-DA2B3CC3BF8E}" dt="2021-03-08T02:30:07.762" v="498" actId="20577"/>
+          <ac:spMkLst>
+            <pc:docMk/>
+            <pc:sldMk cId="1258830549" sldId="635"/>
+            <ac:spMk id="13" creationId="{00000000-0000-0000-0000-000000000000}"/>
+          </ac:spMkLst>
+        </pc:spChg>
+        <pc:spChg chg="del mod">
+          <ac:chgData name="Zhao Jin" userId="cd05a825-544c-438a-9ba1-08e63db50b47" providerId="ADAL" clId="{C328B041-D897-B548-9F0A-DA2B3CC3BF8E}" dt="2021-03-08T02:30:29.708" v="502" actId="478"/>
+          <ac:spMkLst>
+            <pc:docMk/>
+            <pc:sldMk cId="1258830549" sldId="635"/>
+            <ac:spMk id="60" creationId="{3BA40477-BBC4-485C-A481-816E23593E32}"/>
+          </ac:spMkLst>
+        </pc:spChg>
+      </pc:sldChg>
+    </pc:docChg>
+  </pc:docChgLst>
+  <pc:docChgLst>
     <pc:chgData name="Zhao Jin" userId="cd05a825-544c-438a-9ba1-08e63db50b47" providerId="ADAL" clId="{D2C53CB4-D98E-4A4D-AB3B-F903C3FA77B9}"/>
-    <pc:docChg chg="modSld">
-      <pc:chgData name="Zhao Jin" userId="cd05a825-544c-438a-9ba1-08e63db50b47" providerId="ADAL" clId="{D2C53CB4-D98E-4A4D-AB3B-F903C3FA77B9}" dt="2021-03-01T05:22:09.674" v="0" actId="20577"/>
+    <pc:docChg chg="undo custSel addSld delSld modSld">
+      <pc:chgData name="Zhao Jin" userId="cd05a825-544c-438a-9ba1-08e63db50b47" providerId="ADAL" clId="{D2C53CB4-D98E-4A4D-AB3B-F903C3FA77B9}" dt="2021-03-08T05:37:18.936" v="540"/>
       <pc:docMkLst>
         <pc:docMk/>
       </pc:docMkLst>
@@ -578,6 +753,146 @@
             <ac:spMk id="8" creationId="{00000000-0000-0000-0000-000000000000}"/>
           </ac:spMkLst>
         </pc:spChg>
+      </pc:sldChg>
+      <pc:sldChg chg="modAnim">
+        <pc:chgData name="Zhao Jin" userId="cd05a825-544c-438a-9ba1-08e63db50b47" providerId="ADAL" clId="{D2C53CB4-D98E-4A4D-AB3B-F903C3FA77B9}" dt="2021-03-08T05:37:18.936" v="540"/>
+        <pc:sldMkLst>
+          <pc:docMk/>
+          <pc:sldMk cId="1427618944" sldId="553"/>
+        </pc:sldMkLst>
+      </pc:sldChg>
+      <pc:sldChg chg="delSp modSp add del mod">
+        <pc:chgData name="Zhao Jin" userId="cd05a825-544c-438a-9ba1-08e63db50b47" providerId="ADAL" clId="{D2C53CB4-D98E-4A4D-AB3B-F903C3FA77B9}" dt="2021-03-08T05:22:34.940" v="208" actId="47"/>
+        <pc:sldMkLst>
+          <pc:docMk/>
+          <pc:sldMk cId="830535321" sldId="603"/>
+        </pc:sldMkLst>
+        <pc:spChg chg="mod">
+          <ac:chgData name="Zhao Jin" userId="cd05a825-544c-438a-9ba1-08e63db50b47" providerId="ADAL" clId="{D2C53CB4-D98E-4A4D-AB3B-F903C3FA77B9}" dt="2021-03-08T05:21:33.217" v="57" actId="20577"/>
+          <ac:spMkLst>
+            <pc:docMk/>
+            <pc:sldMk cId="830535321" sldId="603"/>
+            <ac:spMk id="8" creationId="{00000000-0000-0000-0000-000000000000}"/>
+          </ac:spMkLst>
+        </pc:spChg>
+        <pc:spChg chg="mod">
+          <ac:chgData name="Zhao Jin" userId="cd05a825-544c-438a-9ba1-08e63db50b47" providerId="ADAL" clId="{D2C53CB4-D98E-4A4D-AB3B-F903C3FA77B9}" dt="2021-03-08T05:22:28.711" v="207" actId="20577"/>
+          <ac:spMkLst>
+            <pc:docMk/>
+            <pc:sldMk cId="830535321" sldId="603"/>
+            <ac:spMk id="13" creationId="{2B89EFD4-1CE0-424E-8F8A-D7F3C08BDEC9}"/>
+          </ac:spMkLst>
+        </pc:spChg>
+        <pc:spChg chg="del mod">
+          <ac:chgData name="Zhao Jin" userId="cd05a825-544c-438a-9ba1-08e63db50b47" providerId="ADAL" clId="{D2C53CB4-D98E-4A4D-AB3B-F903C3FA77B9}" dt="2021-03-08T05:21:46.769" v="83" actId="478"/>
+          <ac:spMkLst>
+            <pc:docMk/>
+            <pc:sldMk cId="830535321" sldId="603"/>
+            <ac:spMk id="84" creationId="{C4E05674-68A2-0D4E-8B47-F7A2C6A6B76F}"/>
+          </ac:spMkLst>
+        </pc:spChg>
+      </pc:sldChg>
+      <pc:sldChg chg="modSp mod">
+        <pc:chgData name="Zhao Jin" userId="cd05a825-544c-438a-9ba1-08e63db50b47" providerId="ADAL" clId="{D2C53CB4-D98E-4A4D-AB3B-F903C3FA77B9}" dt="2021-03-08T05:28:03.001" v="534" actId="20577"/>
+        <pc:sldMkLst>
+          <pc:docMk/>
+          <pc:sldMk cId="640598186" sldId="606"/>
+        </pc:sldMkLst>
+        <pc:spChg chg="mod">
+          <ac:chgData name="Zhao Jin" userId="cd05a825-544c-438a-9ba1-08e63db50b47" providerId="ADAL" clId="{D2C53CB4-D98E-4A4D-AB3B-F903C3FA77B9}" dt="2021-03-08T05:28:03.001" v="534" actId="20577"/>
+          <ac:spMkLst>
+            <pc:docMk/>
+            <pc:sldMk cId="640598186" sldId="606"/>
+            <ac:spMk id="8" creationId="{00000000-0000-0000-0000-000000000000}"/>
+          </ac:spMkLst>
+        </pc:spChg>
+      </pc:sldChg>
+      <pc:sldChg chg="addSp delSp modSp add mod modAnim">
+        <pc:chgData name="Zhao Jin" userId="cd05a825-544c-438a-9ba1-08e63db50b47" providerId="ADAL" clId="{D2C53CB4-D98E-4A4D-AB3B-F903C3FA77B9}" dt="2021-03-08T05:36:39.052" v="539" actId="20577"/>
+        <pc:sldMkLst>
+          <pc:docMk/>
+          <pc:sldMk cId="3042096305" sldId="638"/>
+        </pc:sldMkLst>
+        <pc:spChg chg="mod">
+          <ac:chgData name="Zhao Jin" userId="cd05a825-544c-438a-9ba1-08e63db50b47" providerId="ADAL" clId="{D2C53CB4-D98E-4A4D-AB3B-F903C3FA77B9}" dt="2021-03-08T05:36:39.052" v="539" actId="20577"/>
+          <ac:spMkLst>
+            <pc:docMk/>
+            <pc:sldMk cId="3042096305" sldId="638"/>
+            <ac:spMk id="9" creationId="{E822A0D5-9D76-43F4-AB94-614D7B22B216}"/>
+          </ac:spMkLst>
+        </pc:spChg>
+        <pc:spChg chg="del">
+          <ac:chgData name="Zhao Jin" userId="cd05a825-544c-438a-9ba1-08e63db50b47" providerId="ADAL" clId="{D2C53CB4-D98E-4A4D-AB3B-F903C3FA77B9}" dt="2021-03-08T05:22:55.621" v="230" actId="478"/>
+          <ac:spMkLst>
+            <pc:docMk/>
+            <pc:sldMk cId="3042096305" sldId="638"/>
+            <ac:spMk id="10" creationId="{2EDFDD67-6333-9844-8194-21DDDD857199}"/>
+          </ac:spMkLst>
+        </pc:spChg>
+        <pc:spChg chg="del">
+          <ac:chgData name="Zhao Jin" userId="cd05a825-544c-438a-9ba1-08e63db50b47" providerId="ADAL" clId="{D2C53CB4-D98E-4A4D-AB3B-F903C3FA77B9}" dt="2021-03-08T05:22:55.621" v="230" actId="478"/>
+          <ac:spMkLst>
+            <pc:docMk/>
+            <pc:sldMk cId="3042096305" sldId="638"/>
+            <ac:spMk id="13" creationId="{A6C30920-C994-477D-BF38-FB31A7971AB0}"/>
+          </ac:spMkLst>
+        </pc:spChg>
+        <pc:spChg chg="add mod">
+          <ac:chgData name="Zhao Jin" userId="cd05a825-544c-438a-9ba1-08e63db50b47" providerId="ADAL" clId="{D2C53CB4-D98E-4A4D-AB3B-F903C3FA77B9}" dt="2021-03-08T05:26:07.114" v="476" actId="14100"/>
+          <ac:spMkLst>
+            <pc:docMk/>
+            <pc:sldMk cId="3042096305" sldId="638"/>
+            <ac:spMk id="14" creationId="{CD66ED8D-22E9-46BD-B6B2-A4DE4AFD1420}"/>
+          </ac:spMkLst>
+        </pc:spChg>
+        <pc:spChg chg="add mod">
+          <ac:chgData name="Zhao Jin" userId="cd05a825-544c-438a-9ba1-08e63db50b47" providerId="ADAL" clId="{D2C53CB4-D98E-4A4D-AB3B-F903C3FA77B9}" dt="2021-03-08T05:25:58.556" v="475" actId="20577"/>
+          <ac:spMkLst>
+            <pc:docMk/>
+            <pc:sldMk cId="3042096305" sldId="638"/>
+            <ac:spMk id="15" creationId="{75BE2DD8-0814-4469-842A-A70512802926}"/>
+          </ac:spMkLst>
+        </pc:spChg>
+        <pc:spChg chg="del">
+          <ac:chgData name="Zhao Jin" userId="cd05a825-544c-438a-9ba1-08e63db50b47" providerId="ADAL" clId="{D2C53CB4-D98E-4A4D-AB3B-F903C3FA77B9}" dt="2021-03-08T05:22:55.621" v="230" actId="478"/>
+          <ac:spMkLst>
+            <pc:docMk/>
+            <pc:sldMk cId="3042096305" sldId="638"/>
+            <ac:spMk id="16" creationId="{7D612F80-F399-47C0-9F5C-4D60AC2C8B4A}"/>
+          </ac:spMkLst>
+        </pc:spChg>
+        <pc:spChg chg="del">
+          <ac:chgData name="Zhao Jin" userId="cd05a825-544c-438a-9ba1-08e63db50b47" providerId="ADAL" clId="{D2C53CB4-D98E-4A4D-AB3B-F903C3FA77B9}" dt="2021-03-08T05:22:55.621" v="230" actId="478"/>
+          <ac:spMkLst>
+            <pc:docMk/>
+            <pc:sldMk cId="3042096305" sldId="638"/>
+            <ac:spMk id="17" creationId="{C3484D0C-7905-4424-BBC9-B23C55F335D2}"/>
+          </ac:spMkLst>
+        </pc:spChg>
+        <pc:spChg chg="add mod">
+          <ac:chgData name="Zhao Jin" userId="cd05a825-544c-438a-9ba1-08e63db50b47" providerId="ADAL" clId="{D2C53CB4-D98E-4A4D-AB3B-F903C3FA77B9}" dt="2021-03-08T05:26:51.198" v="520" actId="1076"/>
+          <ac:spMkLst>
+            <pc:docMk/>
+            <pc:sldMk cId="3042096305" sldId="638"/>
+            <ac:spMk id="18" creationId="{8EDF81D3-9BFD-4CE4-953A-D2263653293A}"/>
+          </ac:spMkLst>
+        </pc:spChg>
+        <pc:spChg chg="mod">
+          <ac:chgData name="Zhao Jin" userId="cd05a825-544c-438a-9ba1-08e63db50b47" providerId="ADAL" clId="{D2C53CB4-D98E-4A4D-AB3B-F903C3FA77B9}" dt="2021-03-08T05:22:53.079" v="229" actId="20577"/>
+          <ac:spMkLst>
+            <pc:docMk/>
+            <pc:sldMk cId="3042096305" sldId="638"/>
+            <ac:spMk id="14338" creationId="{00000000-0000-0000-0000-000000000000}"/>
+          </ac:spMkLst>
+        </pc:spChg>
+        <pc:cxnChg chg="del mod">
+          <ac:chgData name="Zhao Jin" userId="cd05a825-544c-438a-9ba1-08e63db50b47" providerId="ADAL" clId="{D2C53CB4-D98E-4A4D-AB3B-F903C3FA77B9}" dt="2021-03-08T05:22:55.621" v="230" actId="478"/>
+          <ac:cxnSpMkLst>
+            <pc:docMk/>
+            <pc:sldMk cId="3042096305" sldId="638"/>
+            <ac:cxnSpMk id="11" creationId="{3EB55ED0-34DD-3648-82BE-386DCFECCD9D}"/>
+          </ac:cxnSpMkLst>
+        </pc:cxnChg>
       </pc:sldChg>
     </pc:docChg>
   </pc:docChgLst>
@@ -1378,7 +1693,7 @@
   <pc:docChgLst>
     <pc:chgData name="dcszjin@nus.edu.sg" userId="cd05a825-544c-438a-9ba1-08e63db50b47" providerId="ADAL" clId="{6F17B5A8-8938-4206-8B5F-1DF9007C99AC}"/>
     <pc:docChg chg="undo custSel addSld delSld modSld sldOrd">
-      <pc:chgData name="dcszjin@nus.edu.sg" userId="cd05a825-544c-438a-9ba1-08e63db50b47" providerId="ADAL" clId="{6F17B5A8-8938-4206-8B5F-1DF9007C99AC}" dt="2021-03-01T07:17:37.118" v="1107" actId="478"/>
+      <pc:chgData name="dcszjin@nus.edu.sg" userId="cd05a825-544c-438a-9ba1-08e63db50b47" providerId="ADAL" clId="{6F17B5A8-8938-4206-8B5F-1DF9007C99AC}" dt="2021-03-08T06:53:03.979" v="1111" actId="20577"/>
       <pc:docMkLst>
         <pc:docMk/>
       </pc:docMkLst>
@@ -1858,7 +2173,7 @@
         </pc:sldMkLst>
       </pc:sldChg>
       <pc:sldChg chg="addSp modSp add mod">
-        <pc:chgData name="dcszjin@nus.edu.sg" userId="cd05a825-544c-438a-9ba1-08e63db50b47" providerId="ADAL" clId="{6F17B5A8-8938-4206-8B5F-1DF9007C99AC}" dt="2021-03-01T06:53:42.682" v="1089"/>
+        <pc:chgData name="dcszjin@nus.edu.sg" userId="cd05a825-544c-438a-9ba1-08e63db50b47" providerId="ADAL" clId="{6F17B5A8-8938-4206-8B5F-1DF9007C99AC}" dt="2021-03-08T06:53:03.979" v="1111" actId="20577"/>
         <pc:sldMkLst>
           <pc:docMk/>
           <pc:sldMk cId="1235845528" sldId="637"/>
@@ -1880,7 +2195,7 @@
           </ac:spMkLst>
         </pc:spChg>
         <pc:spChg chg="add mod">
-          <ac:chgData name="dcszjin@nus.edu.sg" userId="cd05a825-544c-438a-9ba1-08e63db50b47" providerId="ADAL" clId="{6F17B5A8-8938-4206-8B5F-1DF9007C99AC}" dt="2021-03-01T06:46:49.555" v="716"/>
+          <ac:chgData name="dcszjin@nus.edu.sg" userId="cd05a825-544c-438a-9ba1-08e63db50b47" providerId="ADAL" clId="{6F17B5A8-8938-4206-8B5F-1DF9007C99AC}" dt="2021-03-08T06:53:03.979" v="1111" actId="20577"/>
           <ac:spMkLst>
             <pc:docMk/>
             <pc:sldMk cId="1235845528" sldId="637"/>
@@ -1950,60 +2265,6 @@
             <ac:spMk id="10" creationId="{1850E95F-4DF3-444D-BDF1-AF8F205268DD}"/>
           </ac:spMkLst>
         </pc:spChg>
-      </pc:sldChg>
-    </pc:docChg>
-  </pc:docChgLst>
-  <pc:docChgLst>
-    <pc:chgData name="Zhao Jin" userId="cd05a825-544c-438a-9ba1-08e63db50b47" providerId="ADAL" clId="{40B02829-7445-394A-990C-032942059FD9}"/>
-    <pc:docChg chg="custSel modSld">
-      <pc:chgData name="Zhao Jin" userId="cd05a825-544c-438a-9ba1-08e63db50b47" providerId="ADAL" clId="{40B02829-7445-394A-990C-032942059FD9}" dt="2021-01-18T05:50:34.611" v="4" actId="478"/>
-      <pc:docMkLst>
-        <pc:docMk/>
-      </pc:docMkLst>
-      <pc:sldChg chg="delSp">
-        <pc:chgData name="Zhao Jin" userId="cd05a825-544c-438a-9ba1-08e63db50b47" providerId="ADAL" clId="{40B02829-7445-394A-990C-032942059FD9}" dt="2021-01-18T05:50:34.611" v="4" actId="478"/>
-        <pc:sldMkLst>
-          <pc:docMk/>
-          <pc:sldMk cId="3871162519" sldId="525"/>
-        </pc:sldMkLst>
-        <pc:spChg chg="del">
-          <ac:chgData name="Zhao Jin" userId="cd05a825-544c-438a-9ba1-08e63db50b47" providerId="ADAL" clId="{40B02829-7445-394A-990C-032942059FD9}" dt="2021-01-18T05:50:34.611" v="4" actId="478"/>
-          <ac:spMkLst>
-            <pc:docMk/>
-            <pc:sldMk cId="3871162519" sldId="525"/>
-            <ac:spMk id="24582" creationId="{00000000-0000-0000-0000-000000000000}"/>
-          </ac:spMkLst>
-        </pc:spChg>
-      </pc:sldChg>
-      <pc:sldChg chg="modSp">
-        <pc:chgData name="Zhao Jin" userId="cd05a825-544c-438a-9ba1-08e63db50b47" providerId="ADAL" clId="{40B02829-7445-394A-990C-032942059FD9}" dt="2021-01-18T05:50:03.685" v="3" actId="122"/>
-        <pc:sldMkLst>
-          <pc:docMk/>
-          <pc:sldMk cId="770306953" sldId="526"/>
-        </pc:sldMkLst>
-        <pc:graphicFrameChg chg="modGraphic">
-          <ac:chgData name="Zhao Jin" userId="cd05a825-544c-438a-9ba1-08e63db50b47" providerId="ADAL" clId="{40B02829-7445-394A-990C-032942059FD9}" dt="2021-01-18T05:50:03.685" v="3" actId="122"/>
-          <ac:graphicFrameMkLst>
-            <pc:docMk/>
-            <pc:sldMk cId="770306953" sldId="526"/>
-            <ac:graphicFrameMk id="7" creationId="{00000000-0000-0000-0000-000000000000}"/>
-          </ac:graphicFrameMkLst>
-        </pc:graphicFrameChg>
-        <pc:graphicFrameChg chg="modGraphic">
-          <ac:chgData name="Zhao Jin" userId="cd05a825-544c-438a-9ba1-08e63db50b47" providerId="ADAL" clId="{40B02829-7445-394A-990C-032942059FD9}" dt="2021-01-18T05:49:57.612" v="2" actId="122"/>
-          <ac:graphicFrameMkLst>
-            <pc:docMk/>
-            <pc:sldMk cId="770306953" sldId="526"/>
-            <ac:graphicFrameMk id="16" creationId="{00000000-0000-0000-0000-000000000000}"/>
-          </ac:graphicFrameMkLst>
-        </pc:graphicFrameChg>
-      </pc:sldChg>
-      <pc:sldChg chg="modAnim">
-        <pc:chgData name="Zhao Jin" userId="cd05a825-544c-438a-9ba1-08e63db50b47" providerId="ADAL" clId="{40B02829-7445-394A-990C-032942059FD9}" dt="2021-01-18T05:49:08.491" v="0"/>
-        <pc:sldMkLst>
-          <pc:docMk/>
-          <pc:sldMk cId="4288789163" sldId="527"/>
-        </pc:sldMkLst>
       </pc:sldChg>
     </pc:docChg>
   </pc:docChgLst>
@@ -2380,6 +2641,60 @@
     </pc:docChg>
   </pc:docChgLst>
   <pc:docChgLst>
+    <pc:chgData name="Zhao Jin" userId="cd05a825-544c-438a-9ba1-08e63db50b47" providerId="ADAL" clId="{40B02829-7445-394A-990C-032942059FD9}"/>
+    <pc:docChg chg="custSel modSld">
+      <pc:chgData name="Zhao Jin" userId="cd05a825-544c-438a-9ba1-08e63db50b47" providerId="ADAL" clId="{40B02829-7445-394A-990C-032942059FD9}" dt="2021-01-18T05:50:34.611" v="4" actId="478"/>
+      <pc:docMkLst>
+        <pc:docMk/>
+      </pc:docMkLst>
+      <pc:sldChg chg="delSp">
+        <pc:chgData name="Zhao Jin" userId="cd05a825-544c-438a-9ba1-08e63db50b47" providerId="ADAL" clId="{40B02829-7445-394A-990C-032942059FD9}" dt="2021-01-18T05:50:34.611" v="4" actId="478"/>
+        <pc:sldMkLst>
+          <pc:docMk/>
+          <pc:sldMk cId="3871162519" sldId="525"/>
+        </pc:sldMkLst>
+        <pc:spChg chg="del">
+          <ac:chgData name="Zhao Jin" userId="cd05a825-544c-438a-9ba1-08e63db50b47" providerId="ADAL" clId="{40B02829-7445-394A-990C-032942059FD9}" dt="2021-01-18T05:50:34.611" v="4" actId="478"/>
+          <ac:spMkLst>
+            <pc:docMk/>
+            <pc:sldMk cId="3871162519" sldId="525"/>
+            <ac:spMk id="24582" creationId="{00000000-0000-0000-0000-000000000000}"/>
+          </ac:spMkLst>
+        </pc:spChg>
+      </pc:sldChg>
+      <pc:sldChg chg="modSp">
+        <pc:chgData name="Zhao Jin" userId="cd05a825-544c-438a-9ba1-08e63db50b47" providerId="ADAL" clId="{40B02829-7445-394A-990C-032942059FD9}" dt="2021-01-18T05:50:03.685" v="3" actId="122"/>
+        <pc:sldMkLst>
+          <pc:docMk/>
+          <pc:sldMk cId="770306953" sldId="526"/>
+        </pc:sldMkLst>
+        <pc:graphicFrameChg chg="modGraphic">
+          <ac:chgData name="Zhao Jin" userId="cd05a825-544c-438a-9ba1-08e63db50b47" providerId="ADAL" clId="{40B02829-7445-394A-990C-032942059FD9}" dt="2021-01-18T05:50:03.685" v="3" actId="122"/>
+          <ac:graphicFrameMkLst>
+            <pc:docMk/>
+            <pc:sldMk cId="770306953" sldId="526"/>
+            <ac:graphicFrameMk id="7" creationId="{00000000-0000-0000-0000-000000000000}"/>
+          </ac:graphicFrameMkLst>
+        </pc:graphicFrameChg>
+        <pc:graphicFrameChg chg="modGraphic">
+          <ac:chgData name="Zhao Jin" userId="cd05a825-544c-438a-9ba1-08e63db50b47" providerId="ADAL" clId="{40B02829-7445-394A-990C-032942059FD9}" dt="2021-01-18T05:49:57.612" v="2" actId="122"/>
+          <ac:graphicFrameMkLst>
+            <pc:docMk/>
+            <pc:sldMk cId="770306953" sldId="526"/>
+            <ac:graphicFrameMk id="16" creationId="{00000000-0000-0000-0000-000000000000}"/>
+          </ac:graphicFrameMkLst>
+        </pc:graphicFrameChg>
+      </pc:sldChg>
+      <pc:sldChg chg="modAnim">
+        <pc:chgData name="Zhao Jin" userId="cd05a825-544c-438a-9ba1-08e63db50b47" providerId="ADAL" clId="{40B02829-7445-394A-990C-032942059FD9}" dt="2021-01-18T05:49:08.491" v="0"/>
+        <pc:sldMkLst>
+          <pc:docMk/>
+          <pc:sldMk cId="4288789163" sldId="527"/>
+        </pc:sldMkLst>
+      </pc:sldChg>
+    </pc:docChg>
+  </pc:docChgLst>
+  <pc:docChgLst>
     <pc:chgData name="Zhao Jin" userId="cd05a825-544c-438a-9ba1-08e63db50b47" providerId="ADAL" clId="{A4A0FEF4-5388-4642-A424-D6144C2A9D07}"/>
     <pc:docChg chg="undo custSel modSld">
       <pc:chgData name="Zhao Jin" userId="cd05a825-544c-438a-9ba1-08e63db50b47" providerId="ADAL" clId="{A4A0FEF4-5388-4642-A424-D6144C2A9D07}" dt="2021-01-25T03:36:28.487" v="214" actId="20577"/>
@@ -3045,7 +3360,7 @@
               <a:pPr>
                 <a:defRPr/>
               </a:pPr>
-              <a:t>2/28/2021</a:t>
+              <a:t>3/7/2021</a:t>
             </a:fld>
             <a:endParaRPr lang="en-US"/>
           </a:p>
@@ -3391,6 +3706,123 @@
       </p:grpSpPr>
       <p:sp>
         <p:nvSpPr>
+          <p:cNvPr id="64514" name="Rectangle 2"/>
+          <p:cNvSpPr>
+            <a:spLocks noGrp="1" noChangeArrowheads="1"/>
+          </p:cNvSpPr>
+          <p:nvPr>
+            <p:ph type="hdr" sz="quarter"/>
+          </p:nvPr>
+        </p:nvSpPr>
+        <p:spPr bwMode="auto">
+          <a:xfrm>
+            <a:off x="0" y="0"/>
+            <a:ext cx="3038786" cy="465341"/>
+          </a:xfrm>
+          <a:noFill/>
+          <a:ln>
+            <a:miter lim="800000"/>
+            <a:headEnd/>
+            <a:tailEnd/>
+          </a:ln>
+        </p:spPr>
+        <p:txBody>
+          <a:bodyPr wrap="square" numCol="1" anchor="t" anchorCtr="0" compatLnSpc="1">
+            <a:prstTxWarp prst="textNoShape">
+              <a:avLst/>
+            </a:prstTxWarp>
+          </a:bodyPr>
+          <a:lstStyle/>
+          <a:p>
+            <a:r>
+              <a:rPr lang="en-US"/>
+              <a:t>CS1010 Programming Methodology</a:t>
+            </a:r>
+          </a:p>
+        </p:txBody>
+      </p:sp>
+      <p:sp>
+        <p:nvSpPr>
+          <p:cNvPr id="64515" name="Rectangle 2"/>
+          <p:cNvSpPr>
+            <a:spLocks noGrp="1" noRot="1" noChangeAspect="1" noChangeArrowheads="1" noTextEdit="1"/>
+          </p:cNvSpPr>
+          <p:nvPr>
+            <p:ph type="sldImg"/>
+          </p:nvPr>
+        </p:nvSpPr>
+        <p:spPr bwMode="auto">
+          <a:xfrm>
+            <a:off x="1182688" y="696913"/>
+            <a:ext cx="4648200" cy="3486150"/>
+          </a:xfrm>
+          <a:noFill/>
+          <a:ln>
+            <a:solidFill>
+              <a:srgbClr val="000000"/>
+            </a:solidFill>
+            <a:miter lim="800000"/>
+            <a:headEnd/>
+            <a:tailEnd/>
+          </a:ln>
+        </p:spPr>
+      </p:sp>
+      <p:sp>
+        <p:nvSpPr>
+          <p:cNvPr id="64516" name="Rectangle 3"/>
+          <p:cNvSpPr>
+            <a:spLocks noGrp="1" noChangeArrowheads="1"/>
+          </p:cNvSpPr>
+          <p:nvPr>
+            <p:ph type="body" idx="1"/>
+          </p:nvPr>
+        </p:nvSpPr>
+        <p:spPr>
+          <a:ln w="9525"/>
+        </p:spPr>
+        <p:txBody>
+          <a:bodyPr/>
+          <a:lstStyle/>
+          <a:p>
+            <a:pPr eaLnBrk="1" hangingPunct="1">
+              <a:defRPr/>
+            </a:pPr>
+            <a:endParaRPr lang="en-US"/>
+          </a:p>
+        </p:txBody>
+      </p:sp>
+    </p:spTree>
+    <p:extLst>
+      <p:ext uri="{BB962C8B-B14F-4D97-AF65-F5344CB8AC3E}">
+        <p14:creationId xmlns:p14="http://schemas.microsoft.com/office/powerpoint/2010/main" val="1418272450"/>
+      </p:ext>
+    </p:extLst>
+  </p:cSld>
+  <p:clrMapOvr>
+    <a:masterClrMapping/>
+  </p:clrMapOvr>
+</p:notes>
+</file>
+
+<file path=ppt/notesSlides/notesSlide11.xml><?xml version="1.0" encoding="utf-8"?>
+<p:notes xmlns:a="http://schemas.openxmlformats.org/drawingml/2006/main" xmlns:r="http://schemas.openxmlformats.org/officeDocument/2006/relationships" xmlns:p="http://schemas.openxmlformats.org/presentationml/2006/main">
+  <p:cSld>
+    <p:spTree>
+      <p:nvGrpSpPr>
+        <p:cNvPr id="1" name=""/>
+        <p:cNvGrpSpPr/>
+        <p:nvPr/>
+      </p:nvGrpSpPr>
+      <p:grpSpPr>
+        <a:xfrm>
+          <a:off x="0" y="0"/>
+          <a:ext cx="0" cy="0"/>
+          <a:chOff x="0" y="0"/>
+          <a:chExt cx="0" cy="0"/>
+        </a:xfrm>
+      </p:grpSpPr>
+      <p:sp>
+        <p:nvSpPr>
           <p:cNvPr id="74754" name="Rectangle 2"/>
           <p:cNvSpPr>
             <a:spLocks noGrp="1" noChangeArrowheads="1"/>
@@ -3946,7 +4378,7 @@
     </p:spTree>
     <p:extLst>
       <p:ext uri="{BB962C8B-B14F-4D97-AF65-F5344CB8AC3E}">
-        <p14:creationId xmlns:p14="http://schemas.microsoft.com/office/powerpoint/2010/main" val="3158293310"/>
+        <p14:creationId xmlns:p14="http://schemas.microsoft.com/office/powerpoint/2010/main" val="4114432207"/>
       </p:ext>
     </p:extLst>
   </p:cSld>
@@ -4063,7 +4495,7 @@
     </p:spTree>
     <p:extLst>
       <p:ext uri="{BB962C8B-B14F-4D97-AF65-F5344CB8AC3E}">
-        <p14:creationId xmlns:p14="http://schemas.microsoft.com/office/powerpoint/2010/main" val="3243274012"/>
+        <p14:creationId xmlns:p14="http://schemas.microsoft.com/office/powerpoint/2010/main" val="3158293310"/>
       </p:ext>
     </p:extLst>
   </p:cSld>
@@ -4180,7 +4612,7 @@
     </p:spTree>
     <p:extLst>
       <p:ext uri="{BB962C8B-B14F-4D97-AF65-F5344CB8AC3E}">
-        <p14:creationId xmlns:p14="http://schemas.microsoft.com/office/powerpoint/2010/main" val="2242428650"/>
+        <p14:creationId xmlns:p14="http://schemas.microsoft.com/office/powerpoint/2010/main" val="3243274012"/>
       </p:ext>
     </p:extLst>
   </p:cSld>
@@ -4297,7 +4729,7 @@
     </p:spTree>
     <p:extLst>
       <p:ext uri="{BB962C8B-B14F-4D97-AF65-F5344CB8AC3E}">
-        <p14:creationId xmlns:p14="http://schemas.microsoft.com/office/powerpoint/2010/main" val="3559626919"/>
+        <p14:creationId xmlns:p14="http://schemas.microsoft.com/office/powerpoint/2010/main" val="2242428650"/>
       </p:ext>
     </p:extLst>
   </p:cSld>
@@ -4414,7 +4846,7 @@
     </p:spTree>
     <p:extLst>
       <p:ext uri="{BB962C8B-B14F-4D97-AF65-F5344CB8AC3E}">
-        <p14:creationId xmlns:p14="http://schemas.microsoft.com/office/powerpoint/2010/main" val="1418272450"/>
+        <p14:creationId xmlns:p14="http://schemas.microsoft.com/office/powerpoint/2010/main" val="3559626919"/>
       </p:ext>
     </p:extLst>
   </p:cSld>
@@ -8132,6 +8564,468 @@
       </p:grpSpPr>
       <p:sp>
         <p:nvSpPr>
+          <p:cNvPr id="14338" name="Rectangle 2"/>
+          <p:cNvSpPr>
+            <a:spLocks noGrp="1" noChangeArrowheads="1"/>
+          </p:cNvSpPr>
+          <p:nvPr>
+            <p:ph type="title"/>
+          </p:nvPr>
+        </p:nvSpPr>
+        <p:spPr>
+          <a:xfrm>
+            <a:off x="533400" y="381000"/>
+            <a:ext cx="8382000" cy="838200"/>
+          </a:xfrm>
+        </p:spPr>
+        <p:txBody>
+          <a:bodyPr>
+            <a:normAutofit/>
+          </a:bodyPr>
+          <a:lstStyle/>
+          <a:p>
+            <a:r>
+              <a:rPr lang="en-GB" sz="3600">
+                <a:solidFill>
+                  <a:srgbClr val="0000FF"/>
+                </a:solidFill>
+              </a:rPr>
+              <a:t>Working with Strings</a:t>
+            </a:r>
+          </a:p>
+        </p:txBody>
+      </p:sp>
+      <p:sp>
+        <p:nvSpPr>
+          <p:cNvPr id="7" name="Slide Number Placeholder 6"/>
+          <p:cNvSpPr>
+            <a:spLocks noGrp="1"/>
+          </p:cNvSpPr>
+          <p:nvPr>
+            <p:ph type="sldNum" sz="quarter" idx="12"/>
+          </p:nvPr>
+        </p:nvSpPr>
+        <p:spPr/>
+        <p:txBody>
+          <a:bodyPr>
+            <a:normAutofit/>
+          </a:bodyPr>
+          <a:lstStyle/>
+          <a:p>
+            <a:pPr>
+              <a:defRPr/>
+            </a:pPr>
+            <a:r>
+              <a:rPr lang="en-US"/>
+              <a:t>Week6</a:t>
+            </a:r>
+            <a:r>
+              <a:rPr sz="1200"/>
+              <a:t> - </a:t>
+            </a:r>
+            <a:fld id="{F7EC234A-9094-4BB8-9EA4-75ECDA8A365B}" type="slidenum">
+              <a:rPr sz="1200" smtClean="0"/>
+              <a:pPr>
+                <a:defRPr/>
+              </a:pPr>
+              <a:t>10</a:t>
+            </a:fld>
+            <a:endParaRPr sz="1200"/>
+          </a:p>
+        </p:txBody>
+      </p:sp>
+      <p:sp>
+        <p:nvSpPr>
+          <p:cNvPr id="12" name="[Date Placeholder 3]"/>
+          <p:cNvSpPr>
+            <a:spLocks noGrp="1"/>
+          </p:cNvSpPr>
+          <p:nvPr>
+            <p:ph type="dt" sz="half" idx="10"/>
+          </p:nvPr>
+        </p:nvSpPr>
+        <p:spPr>
+          <a:xfrm>
+            <a:off x="457200" y="18288"/>
+            <a:ext cx="2895600" cy="329184"/>
+          </a:xfrm>
+        </p:spPr>
+        <p:txBody>
+          <a:bodyPr/>
+          <a:lstStyle/>
+          <a:p>
+            <a:pPr>
+              <a:defRPr/>
+            </a:pPr>
+            <a:r>
+              <a:rPr lang="en-US"/>
+              <a:t>© NUS</a:t>
+            </a:r>
+          </a:p>
+        </p:txBody>
+      </p:sp>
+      <p:sp>
+        <p:nvSpPr>
+          <p:cNvPr id="8" name="Content Placeholder 5"/>
+          <p:cNvSpPr>
+            <a:spLocks noGrp="1"/>
+          </p:cNvSpPr>
+          <p:nvPr>
+            <p:ph idx="1"/>
+          </p:nvPr>
+        </p:nvSpPr>
+        <p:spPr>
+          <a:xfrm>
+            <a:off x="587375" y="1187450"/>
+            <a:ext cx="8292856" cy="1415073"/>
+          </a:xfrm>
+        </p:spPr>
+        <p:txBody>
+          <a:bodyPr>
+            <a:normAutofit/>
+          </a:bodyPr>
+          <a:lstStyle/>
+          <a:p>
+            <a:pPr marL="347663" indent="-347663">
+              <a:spcBef>
+                <a:spcPts val="600"/>
+              </a:spcBef>
+              <a:buClr>
+                <a:schemeClr val="tx1">
+                  <a:lumMod val="90000"/>
+                  <a:lumOff val="10000"/>
+                </a:schemeClr>
+              </a:buClr>
+              <a:buSzPct val="100000"/>
+              <a:buFont typeface="Wingdings" panose="05000000000000000000" pitchFamily="2" charset="2"/>
+              <a:buChar char="§"/>
+              <a:defRPr/>
+            </a:pPr>
+            <a:r>
+              <a:rPr lang="en-US" sz="2800"/>
+              <a:t>String functions can used as well.</a:t>
+            </a:r>
+          </a:p>
+        </p:txBody>
+      </p:sp>
+      <p:sp>
+        <p:nvSpPr>
+          <p:cNvPr id="84" name="TextBox 83">
+            <a:extLst>
+              <a:ext uri="{FF2B5EF4-FFF2-40B4-BE49-F238E27FC236}">
+                <a16:creationId xmlns:a16="http://schemas.microsoft.com/office/drawing/2014/main" id="{C4E05674-68A2-0D4E-8B47-F7A2C6A6B76F}"/>
+              </a:ext>
+            </a:extLst>
+          </p:cNvPr>
+          <p:cNvSpPr txBox="1"/>
+          <p:nvPr/>
+        </p:nvSpPr>
+        <p:spPr>
+          <a:xfrm>
+            <a:off x="1011168" y="1758059"/>
+            <a:ext cx="3889605" cy="1015663"/>
+          </a:xfrm>
+          <a:prstGeom prst="rect">
+            <a:avLst/>
+          </a:prstGeom>
+          <a:solidFill>
+            <a:schemeClr val="bg1"/>
+          </a:solidFill>
+          <a:ln w="9525">
+            <a:solidFill>
+              <a:schemeClr val="tx1"/>
+            </a:solidFill>
+          </a:ln>
+        </p:spPr>
+        <p:style>
+          <a:lnRef idx="2">
+            <a:schemeClr val="accent6"/>
+          </a:lnRef>
+          <a:fillRef idx="1">
+            <a:schemeClr val="lt1"/>
+          </a:fillRef>
+          <a:effectRef idx="0">
+            <a:schemeClr val="accent6"/>
+          </a:effectRef>
+          <a:fontRef idx="minor">
+            <a:schemeClr val="dk1"/>
+          </a:fontRef>
+        </p:style>
+        <p:txBody>
+          <a:bodyPr wrap="square" lIns="91440" tIns="45720" rIns="91440" bIns="45720" rtlCol="0" anchor="t">
+            <a:spAutoFit/>
+          </a:bodyPr>
+          <a:lstStyle/>
+          <a:p>
+            <a:pPr>
+              <a:tabLst>
+                <a:tab pos="347663" algn="l"/>
+                <a:tab pos="682625" algn="l"/>
+                <a:tab pos="1087438" algn="l"/>
+                <a:tab pos="1377950" algn="l"/>
+                <a:tab pos="1712913" algn="l"/>
+              </a:tabLst>
+            </a:pPr>
+            <a:r>
+              <a:rPr lang="en-US" sz="2000" b="1">
+                <a:solidFill>
+                  <a:srgbClr val="0000FF"/>
+                </a:solidFill>
+                <a:latin typeface="Courier New" panose="02070309020205020404" pitchFamily="49" charset="0"/>
+                <a:cs typeface="Courier New" panose="02070309020205020404" pitchFamily="49" charset="0"/>
+              </a:rPr>
+              <a:t>char</a:t>
+            </a:r>
+            <a:r>
+              <a:rPr lang="en-US" sz="2000" b="1">
+                <a:solidFill>
+                  <a:schemeClr val="tx1"/>
+                </a:solidFill>
+                <a:latin typeface="Courier New" panose="02070309020205020404" pitchFamily="49" charset="0"/>
+                <a:cs typeface="Courier New" panose="02070309020205020404" pitchFamily="49" charset="0"/>
+              </a:rPr>
+              <a:t> </a:t>
+            </a:r>
+            <a:r>
+              <a:rPr lang="en-US" sz="2000" b="1" err="1">
+                <a:solidFill>
+                  <a:schemeClr val="tx1"/>
+                </a:solidFill>
+                <a:latin typeface="Courier New" panose="02070309020205020404" pitchFamily="49" charset="0"/>
+                <a:cs typeface="Courier New" panose="02070309020205020404" pitchFamily="49" charset="0"/>
+              </a:rPr>
+              <a:t>src</a:t>
+            </a:r>
+            <a:r>
+              <a:rPr lang="en-US" sz="2000" b="1">
+                <a:solidFill>
+                  <a:schemeClr val="tx1"/>
+                </a:solidFill>
+                <a:latin typeface="Courier New" panose="02070309020205020404" pitchFamily="49" charset="0"/>
+                <a:cs typeface="Courier New" panose="02070309020205020404" pitchFamily="49" charset="0"/>
+              </a:rPr>
+              <a:t>[</a:t>
+            </a:r>
+            <a:r>
+              <a:rPr lang="en-US" sz="2000" b="1">
+                <a:solidFill>
+                  <a:srgbClr val="C00000"/>
+                </a:solidFill>
+                <a:latin typeface="Courier New" panose="02070309020205020404" pitchFamily="49" charset="0"/>
+                <a:cs typeface="Courier New" panose="02070309020205020404" pitchFamily="49" charset="0"/>
+              </a:rPr>
+              <a:t>7</a:t>
+            </a:r>
+            <a:r>
+              <a:rPr lang="en-US" sz="2000" b="1">
+                <a:solidFill>
+                  <a:schemeClr val="tx1"/>
+                </a:solidFill>
+                <a:latin typeface="Courier New" panose="02070309020205020404" pitchFamily="49" charset="0"/>
+                <a:cs typeface="Courier New" panose="02070309020205020404" pitchFamily="49" charset="0"/>
+              </a:rPr>
+              <a:t>] = </a:t>
+            </a:r>
+            <a:r>
+              <a:rPr lang="en-US" sz="2000" b="1">
+                <a:solidFill>
+                  <a:srgbClr val="006600"/>
+                </a:solidFill>
+                <a:latin typeface="Courier New" panose="02070309020205020404" pitchFamily="49" charset="0"/>
+                <a:cs typeface="Courier New" panose="02070309020205020404" pitchFamily="49" charset="0"/>
+              </a:rPr>
+              <a:t>"hello!"</a:t>
+            </a:r>
+            <a:r>
+              <a:rPr lang="en-US" sz="2000" b="1">
+                <a:solidFill>
+                  <a:schemeClr val="tx1"/>
+                </a:solidFill>
+                <a:latin typeface="Courier New" panose="02070309020205020404" pitchFamily="49" charset="0"/>
+                <a:cs typeface="Courier New" panose="02070309020205020404" pitchFamily="49" charset="0"/>
+              </a:rPr>
+              <a:t>;</a:t>
+            </a:r>
+          </a:p>
+          <a:p>
+            <a:pPr>
+              <a:tabLst>
+                <a:tab pos="347663" algn="l"/>
+                <a:tab pos="682625" algn="l"/>
+                <a:tab pos="1087438" algn="l"/>
+                <a:tab pos="1377950" algn="l"/>
+                <a:tab pos="1712913" algn="l"/>
+              </a:tabLst>
+            </a:pPr>
+            <a:r>
+              <a:rPr lang="en-US" sz="2000" b="1">
+                <a:solidFill>
+                  <a:srgbClr val="0000FF"/>
+                </a:solidFill>
+                <a:latin typeface="Courier New" panose="02070309020205020404" pitchFamily="49" charset="0"/>
+                <a:cs typeface="Courier New" panose="02070309020205020404" pitchFamily="49" charset="0"/>
+              </a:rPr>
+              <a:t>char</a:t>
+            </a:r>
+            <a:r>
+              <a:rPr lang="en-US" sz="2000" b="1">
+                <a:solidFill>
+                  <a:schemeClr val="tx1"/>
+                </a:solidFill>
+                <a:latin typeface="Courier New" panose="02070309020205020404" pitchFamily="49" charset="0"/>
+                <a:cs typeface="Courier New" panose="02070309020205020404" pitchFamily="49" charset="0"/>
+              </a:rPr>
+              <a:t> </a:t>
+            </a:r>
+            <a:r>
+              <a:rPr lang="en-US" sz="2000" b="1" err="1">
+                <a:solidFill>
+                  <a:schemeClr val="tx1"/>
+                </a:solidFill>
+                <a:latin typeface="Courier New" panose="02070309020205020404" pitchFamily="49" charset="0"/>
+                <a:cs typeface="Courier New" panose="02070309020205020404" pitchFamily="49" charset="0"/>
+              </a:rPr>
+              <a:t>dst</a:t>
+            </a:r>
+            <a:r>
+              <a:rPr lang="en-US" sz="2000" b="1">
+                <a:solidFill>
+                  <a:schemeClr val="tx1"/>
+                </a:solidFill>
+                <a:latin typeface="Courier New" panose="02070309020205020404" pitchFamily="49" charset="0"/>
+                <a:cs typeface="Courier New" panose="02070309020205020404" pitchFamily="49" charset="0"/>
+              </a:rPr>
+              <a:t>[</a:t>
+            </a:r>
+            <a:r>
+              <a:rPr lang="en-US" sz="2000" b="1">
+                <a:solidFill>
+                  <a:srgbClr val="C00000"/>
+                </a:solidFill>
+                <a:latin typeface="Courier New" panose="02070309020205020404" pitchFamily="49" charset="0"/>
+                <a:cs typeface="Courier New" panose="02070309020205020404" pitchFamily="49" charset="0"/>
+              </a:rPr>
+              <a:t>7</a:t>
+            </a:r>
+            <a:r>
+              <a:rPr lang="en-US" sz="2000" b="1">
+                <a:solidFill>
+                  <a:schemeClr val="tx1"/>
+                </a:solidFill>
+                <a:latin typeface="Courier New" panose="02070309020205020404" pitchFamily="49" charset="0"/>
+                <a:cs typeface="Courier New" panose="02070309020205020404" pitchFamily="49" charset="0"/>
+              </a:rPr>
+              <a:t>];</a:t>
+            </a:r>
+          </a:p>
+          <a:p>
+            <a:pPr>
+              <a:tabLst>
+                <a:tab pos="347663" algn="l"/>
+                <a:tab pos="682625" algn="l"/>
+                <a:tab pos="1087438" algn="l"/>
+                <a:tab pos="1377950" algn="l"/>
+                <a:tab pos="1712913" algn="l"/>
+              </a:tabLst>
+            </a:pPr>
+            <a:r>
+              <a:rPr lang="en-US" sz="2000" b="1" err="1">
+                <a:solidFill>
+                  <a:schemeClr val="tx1"/>
+                </a:solidFill>
+                <a:latin typeface="Courier New" panose="02070309020205020404" pitchFamily="49" charset="0"/>
+                <a:cs typeface="Courier New" panose="02070309020205020404" pitchFamily="49" charset="0"/>
+              </a:rPr>
+              <a:t>strcpy</a:t>
+            </a:r>
+            <a:r>
+              <a:rPr lang="en-US" sz="2000" b="1">
+                <a:solidFill>
+                  <a:schemeClr val="tx1"/>
+                </a:solidFill>
+                <a:latin typeface="Courier New" panose="02070309020205020404" pitchFamily="49" charset="0"/>
+                <a:cs typeface="Courier New" panose="02070309020205020404" pitchFamily="49" charset="0"/>
+              </a:rPr>
+              <a:t>(</a:t>
+            </a:r>
+            <a:r>
+              <a:rPr lang="en-US" sz="2000" b="1" err="1">
+                <a:solidFill>
+                  <a:schemeClr val="tx1"/>
+                </a:solidFill>
+                <a:latin typeface="Courier New" panose="02070309020205020404" pitchFamily="49" charset="0"/>
+                <a:cs typeface="Courier New" panose="02070309020205020404" pitchFamily="49" charset="0"/>
+              </a:rPr>
+              <a:t>dst</a:t>
+            </a:r>
+            <a:r>
+              <a:rPr lang="en-US" sz="2000" b="1">
+                <a:solidFill>
+                  <a:schemeClr val="tx1"/>
+                </a:solidFill>
+                <a:latin typeface="Courier New" panose="02070309020205020404" pitchFamily="49" charset="0"/>
+                <a:cs typeface="Courier New" panose="02070309020205020404" pitchFamily="49" charset="0"/>
+              </a:rPr>
+              <a:t>, </a:t>
+            </a:r>
+            <a:r>
+              <a:rPr lang="en-US" sz="2000" b="1" err="1">
+                <a:solidFill>
+                  <a:schemeClr val="tx1"/>
+                </a:solidFill>
+                <a:latin typeface="Courier New" panose="02070309020205020404" pitchFamily="49" charset="0"/>
+                <a:cs typeface="Courier New" panose="02070309020205020404" pitchFamily="49" charset="0"/>
+              </a:rPr>
+              <a:t>src</a:t>
+            </a:r>
+            <a:r>
+              <a:rPr lang="en-US" sz="2000" b="1">
+                <a:solidFill>
+                  <a:schemeClr val="tx1"/>
+                </a:solidFill>
+                <a:latin typeface="Courier New" panose="02070309020205020404" pitchFamily="49" charset="0"/>
+                <a:cs typeface="Courier New" panose="02070309020205020404" pitchFamily="49" charset="0"/>
+              </a:rPr>
+              <a:t>);</a:t>
+            </a:r>
+          </a:p>
+        </p:txBody>
+      </p:sp>
+    </p:spTree>
+    <p:extLst>
+      <p:ext uri="{BB962C8B-B14F-4D97-AF65-F5344CB8AC3E}">
+        <p14:creationId xmlns:p14="http://schemas.microsoft.com/office/powerpoint/2010/main" val="1542002799"/>
+      </p:ext>
+    </p:extLst>
+  </p:cSld>
+  <p:clrMapOvr>
+    <a:masterClrMapping/>
+  </p:clrMapOvr>
+  <p:transition>
+    <p:fade/>
+  </p:transition>
+</p:sld>
+</file>
+
+<file path=ppt/slides/slide11.xml><?xml version="1.0" encoding="utf-8"?>
+<p:sld xmlns:a="http://schemas.openxmlformats.org/drawingml/2006/main" xmlns:r="http://schemas.openxmlformats.org/officeDocument/2006/relationships" xmlns:p="http://schemas.openxmlformats.org/presentationml/2006/main">
+  <p:cSld>
+    <p:spTree>
+      <p:nvGrpSpPr>
+        <p:cNvPr id="1" name=""/>
+        <p:cNvGrpSpPr/>
+        <p:nvPr/>
+      </p:nvGrpSpPr>
+      <p:grpSpPr>
+        <a:xfrm>
+          <a:off x="0" y="0"/>
+          <a:ext cx="0" cy="0"/>
+          <a:chOff x="0" y="0"/>
+          <a:chExt cx="0" cy="0"/>
+        </a:xfrm>
+      </p:grpSpPr>
+      <p:sp>
+        <p:nvSpPr>
           <p:cNvPr id="43" name="Slide Number Placeholder 42"/>
           <p:cNvSpPr>
             <a:spLocks noGrp="1"/>
@@ -8159,7 +9053,7 @@
               <a:pPr>
                 <a:defRPr/>
               </a:pPr>
-              <a:t>10</a:t>
+              <a:t>11</a:t>
             </a:fld>
             <a:endParaRPr lang="en-US"/>
           </a:p>
@@ -8435,7 +9329,7 @@
             </a:pPr>
             <a:r>
               <a:rPr lang="en-US"/>
-              <a:t>A </a:t>
+              <a:t>It contains </a:t>
             </a:r>
             <a:r>
               <a:rPr lang="en-US">
@@ -8443,27 +9337,15 @@
                   <a:srgbClr val="0000FF"/>
                 </a:solidFill>
               </a:rPr>
-              <a:t>Stack Frame </a:t>
+              <a:t>Stack Frames </a:t>
             </a:r>
             <a:r>
               <a:rPr lang="en-US"/>
-              <a:t>is added to the </a:t>
-            </a:r>
-            <a:r>
-              <a:rPr lang="en-US">
-                <a:solidFill>
-                  <a:srgbClr val="0000FF"/>
-                </a:solidFill>
-              </a:rPr>
-              <a:t>Call Stack </a:t>
-            </a:r>
-            <a:r>
-              <a:rPr lang="en-US"/>
-              <a:t>whenever a function is called. </a:t>
-            </a:r>
-          </a:p>
-          <a:p>
-            <a:pPr marL="347663" indent="-347663">
+              <a:t>which are</a:t>
+            </a:r>
+          </a:p>
+          <a:p>
+            <a:pPr marL="621983" lvl="1" indent="-347663">
               <a:spcBef>
                 <a:spcPts val="600"/>
               </a:spcBef>
@@ -8478,10 +9360,13 @@
               <a:buChar char="§"/>
               <a:defRPr/>
             </a:pPr>
-            <a:endParaRPr lang="en-US"/>
-          </a:p>
-          <a:p>
-            <a:pPr marL="347663" indent="-347663">
+            <a:r>
+              <a:rPr lang="en-US"/>
+              <a:t>added whenever a function is called </a:t>
+            </a:r>
+          </a:p>
+          <a:p>
+            <a:pPr marL="621983" lvl="1" indent="-347663">
               <a:spcBef>
                 <a:spcPts val="600"/>
               </a:spcBef>
@@ -8496,7 +9381,31 @@
               <a:buChar char="§"/>
               <a:defRPr/>
             </a:pPr>
-            <a:endParaRPr lang="en-US"/>
+            <a:r>
+              <a:rPr lang="en-US"/>
+              <a:t>used to store the variables of the function call.</a:t>
+            </a:r>
+          </a:p>
+          <a:p>
+            <a:pPr marL="621983" lvl="1" indent="-347663">
+              <a:spcBef>
+                <a:spcPts val="600"/>
+              </a:spcBef>
+              <a:buClr>
+                <a:schemeClr val="tx1">
+                  <a:lumMod val="90000"/>
+                  <a:lumOff val="10000"/>
+                </a:schemeClr>
+              </a:buClr>
+              <a:buSzPct val="100000"/>
+              <a:buFont typeface="Wingdings" panose="05000000000000000000" pitchFamily="2" charset="2"/>
+              <a:buChar char="§"/>
+              <a:defRPr/>
+            </a:pPr>
+            <a:r>
+              <a:rPr lang="en-US"/>
+              <a:t>removed when the call is done</a:t>
+            </a:r>
           </a:p>
           <a:p>
             <a:pPr marL="0" indent="0">
@@ -8517,522 +9426,12 @@
           </a:p>
         </p:txBody>
       </p:sp>
-      <p:sp>
-        <p:nvSpPr>
-          <p:cNvPr id="11" name="TextBox 10">
+      <p:pic>
+        <p:nvPicPr>
+          <p:cNvPr id="4" name="Picture 3">
             <a:extLst>
               <a:ext uri="{FF2B5EF4-FFF2-40B4-BE49-F238E27FC236}">
-                <a16:creationId xmlns:a16="http://schemas.microsoft.com/office/drawing/2014/main" id="{77437CA0-C20C-4626-A0E0-998E2B6D678A}"/>
-              </a:ext>
-            </a:extLst>
-          </p:cNvPr>
-          <p:cNvSpPr txBox="1"/>
-          <p:nvPr/>
-        </p:nvSpPr>
-        <p:spPr>
-          <a:xfrm>
-            <a:off x="1004075" y="2168972"/>
-            <a:ext cx="3846599" cy="3693319"/>
-          </a:xfrm>
-          <a:prstGeom prst="rect">
-            <a:avLst/>
-          </a:prstGeom>
-          <a:solidFill>
-            <a:schemeClr val="bg1"/>
-          </a:solidFill>
-          <a:ln w="19050">
-            <a:solidFill>
-              <a:schemeClr val="tx1"/>
-            </a:solidFill>
-          </a:ln>
-        </p:spPr>
-        <p:style>
-          <a:lnRef idx="2">
-            <a:schemeClr val="accent6"/>
-          </a:lnRef>
-          <a:fillRef idx="1">
-            <a:schemeClr val="lt1"/>
-          </a:fillRef>
-          <a:effectRef idx="0">
-            <a:schemeClr val="accent6"/>
-          </a:effectRef>
-          <a:fontRef idx="minor">
-            <a:schemeClr val="dk1"/>
-          </a:fontRef>
-        </p:style>
-        <p:txBody>
-          <a:bodyPr wrap="square" lIns="91440" tIns="45720" rIns="91440" bIns="45720" rtlCol="0" anchor="t">
-            <a:spAutoFit/>
-          </a:bodyPr>
-          <a:lstStyle/>
-          <a:p>
-            <a:pPr>
-              <a:tabLst>
-                <a:tab pos="347663" algn="l"/>
-                <a:tab pos="682625" algn="l"/>
-                <a:tab pos="1087438" algn="l"/>
-                <a:tab pos="1377950" algn="l"/>
-                <a:tab pos="1712913" algn="l"/>
-              </a:tabLst>
-            </a:pPr>
-            <a:r>
-              <a:rPr lang="en-US" b="1">
-                <a:solidFill>
-                  <a:srgbClr val="0000FF"/>
-                </a:solidFill>
-                <a:latin typeface="Courier New" panose="02070309020205020404" pitchFamily="49" charset="0"/>
-                <a:cs typeface="Courier New" panose="02070309020205020404" pitchFamily="49" charset="0"/>
-              </a:rPr>
-              <a:t>long</a:t>
-            </a:r>
-            <a:r>
-              <a:rPr lang="en-US" b="1">
-                <a:solidFill>
-                  <a:schemeClr val="tx1"/>
-                </a:solidFill>
-                <a:latin typeface="Courier New" panose="02070309020205020404" pitchFamily="49" charset="0"/>
-                <a:cs typeface="Courier New" panose="02070309020205020404" pitchFamily="49" charset="0"/>
-              </a:rPr>
-              <a:t> add(</a:t>
-            </a:r>
-            <a:r>
-              <a:rPr lang="en-US" b="1">
-                <a:solidFill>
-                  <a:srgbClr val="0000FF"/>
-                </a:solidFill>
-                <a:latin typeface="Courier New" panose="02070309020205020404" pitchFamily="49" charset="0"/>
-                <a:cs typeface="Courier New" panose="02070309020205020404" pitchFamily="49" charset="0"/>
-              </a:rPr>
-              <a:t>long</a:t>
-            </a:r>
-            <a:r>
-              <a:rPr lang="en-US" b="1">
-                <a:solidFill>
-                  <a:schemeClr val="tx1"/>
-                </a:solidFill>
-                <a:latin typeface="Courier New" panose="02070309020205020404" pitchFamily="49" charset="0"/>
-                <a:cs typeface="Courier New" panose="02070309020205020404" pitchFamily="49" charset="0"/>
-              </a:rPr>
-              <a:t> a, </a:t>
-            </a:r>
-            <a:r>
-              <a:rPr lang="en-US" b="1">
-                <a:solidFill>
-                  <a:srgbClr val="0000FF"/>
-                </a:solidFill>
-                <a:latin typeface="Courier New" panose="02070309020205020404" pitchFamily="49" charset="0"/>
-                <a:cs typeface="Courier New" panose="02070309020205020404" pitchFamily="49" charset="0"/>
-              </a:rPr>
-              <a:t>long</a:t>
-            </a:r>
-            <a:r>
-              <a:rPr lang="en-US" b="1">
-                <a:solidFill>
-                  <a:schemeClr val="tx1"/>
-                </a:solidFill>
-                <a:latin typeface="Courier New" panose="02070309020205020404" pitchFamily="49" charset="0"/>
-                <a:cs typeface="Courier New" panose="02070309020205020404" pitchFamily="49" charset="0"/>
-              </a:rPr>
-              <a:t> b) {</a:t>
-            </a:r>
-          </a:p>
-          <a:p>
-            <a:pPr>
-              <a:tabLst>
-                <a:tab pos="347663" algn="l"/>
-                <a:tab pos="682625" algn="l"/>
-                <a:tab pos="1087438" algn="l"/>
-                <a:tab pos="1377950" algn="l"/>
-                <a:tab pos="1712913" algn="l"/>
-              </a:tabLst>
-            </a:pPr>
-            <a:r>
-              <a:rPr lang="en-US" b="1">
-                <a:solidFill>
-                  <a:schemeClr val="tx1"/>
-                </a:solidFill>
-                <a:latin typeface="Courier New" panose="02070309020205020404" pitchFamily="49" charset="0"/>
-                <a:cs typeface="Courier New" panose="02070309020205020404" pitchFamily="49" charset="0"/>
-              </a:rPr>
-              <a:t>  </a:t>
-            </a:r>
-            <a:r>
-              <a:rPr lang="en-US" b="1">
-                <a:solidFill>
-                  <a:srgbClr val="0000FF"/>
-                </a:solidFill>
-                <a:latin typeface="Courier New" panose="02070309020205020404" pitchFamily="49" charset="0"/>
-                <a:cs typeface="Courier New" panose="02070309020205020404" pitchFamily="49" charset="0"/>
-              </a:rPr>
-              <a:t>long</a:t>
-            </a:r>
-            <a:r>
-              <a:rPr lang="en-US" b="1">
-                <a:solidFill>
-                  <a:schemeClr val="tx1"/>
-                </a:solidFill>
-                <a:latin typeface="Courier New" panose="02070309020205020404" pitchFamily="49" charset="0"/>
-                <a:cs typeface="Courier New" panose="02070309020205020404" pitchFamily="49" charset="0"/>
-              </a:rPr>
-              <a:t> x;</a:t>
-            </a:r>
-          </a:p>
-          <a:p>
-            <a:pPr>
-              <a:tabLst>
-                <a:tab pos="347663" algn="l"/>
-                <a:tab pos="682625" algn="l"/>
-                <a:tab pos="1087438" algn="l"/>
-                <a:tab pos="1377950" algn="l"/>
-                <a:tab pos="1712913" algn="l"/>
-              </a:tabLst>
-            </a:pPr>
-            <a:r>
-              <a:rPr lang="en-US" b="1">
-                <a:solidFill>
-                  <a:schemeClr val="tx1"/>
-                </a:solidFill>
-                <a:latin typeface="Courier New" panose="02070309020205020404" pitchFamily="49" charset="0"/>
-                <a:cs typeface="Courier New" panose="02070309020205020404" pitchFamily="49" charset="0"/>
-              </a:rPr>
-              <a:t>  x = a + b;</a:t>
-            </a:r>
-          </a:p>
-          <a:p>
-            <a:pPr>
-              <a:tabLst>
-                <a:tab pos="347663" algn="l"/>
-                <a:tab pos="682625" algn="l"/>
-                <a:tab pos="1087438" algn="l"/>
-                <a:tab pos="1377950" algn="l"/>
-                <a:tab pos="1712913" algn="l"/>
-              </a:tabLst>
-            </a:pPr>
-            <a:r>
-              <a:rPr lang="en-US" b="1">
-                <a:solidFill>
-                  <a:schemeClr val="tx1"/>
-                </a:solidFill>
-                <a:latin typeface="Courier New" panose="02070309020205020404" pitchFamily="49" charset="0"/>
-                <a:cs typeface="Courier New" panose="02070309020205020404" pitchFamily="49" charset="0"/>
-              </a:rPr>
-              <a:t>  </a:t>
-            </a:r>
-            <a:r>
-              <a:rPr lang="en-US" b="1">
-                <a:solidFill>
-                  <a:srgbClr val="0000FF"/>
-                </a:solidFill>
-                <a:latin typeface="Courier New" panose="02070309020205020404" pitchFamily="49" charset="0"/>
-                <a:cs typeface="Courier New" panose="02070309020205020404" pitchFamily="49" charset="0"/>
-              </a:rPr>
-              <a:t>return</a:t>
-            </a:r>
-            <a:r>
-              <a:rPr lang="en-US" b="1">
-                <a:solidFill>
-                  <a:schemeClr val="tx1"/>
-                </a:solidFill>
-                <a:latin typeface="Courier New" panose="02070309020205020404" pitchFamily="49" charset="0"/>
-                <a:cs typeface="Courier New" panose="02070309020205020404" pitchFamily="49" charset="0"/>
-              </a:rPr>
-              <a:t> x;</a:t>
-            </a:r>
-          </a:p>
-          <a:p>
-            <a:pPr>
-              <a:tabLst>
-                <a:tab pos="347663" algn="l"/>
-                <a:tab pos="682625" algn="l"/>
-                <a:tab pos="1087438" algn="l"/>
-                <a:tab pos="1377950" algn="l"/>
-                <a:tab pos="1712913" algn="l"/>
-              </a:tabLst>
-            </a:pPr>
-            <a:r>
-              <a:rPr lang="en-US" b="1">
-                <a:solidFill>
-                  <a:schemeClr val="tx1"/>
-                </a:solidFill>
-                <a:latin typeface="Courier New" panose="02070309020205020404" pitchFamily="49" charset="0"/>
-                <a:cs typeface="Courier New" panose="02070309020205020404" pitchFamily="49" charset="0"/>
-              </a:rPr>
-              <a:t>}</a:t>
-            </a:r>
-          </a:p>
-          <a:p>
-            <a:pPr>
-              <a:tabLst>
-                <a:tab pos="347663" algn="l"/>
-                <a:tab pos="682625" algn="l"/>
-                <a:tab pos="1087438" algn="l"/>
-                <a:tab pos="1377950" algn="l"/>
-                <a:tab pos="1712913" algn="l"/>
-              </a:tabLst>
-            </a:pPr>
-            <a:endParaRPr lang="en-US" b="1">
-              <a:solidFill>
-                <a:srgbClr val="0000FF"/>
-              </a:solidFill>
-              <a:latin typeface="Courier New" panose="02070309020205020404" pitchFamily="49" charset="0"/>
-              <a:cs typeface="Courier New" panose="02070309020205020404" pitchFamily="49" charset="0"/>
-            </a:endParaRPr>
-          </a:p>
-          <a:p>
-            <a:pPr>
-              <a:tabLst>
-                <a:tab pos="347663" algn="l"/>
-                <a:tab pos="682625" algn="l"/>
-                <a:tab pos="1087438" algn="l"/>
-                <a:tab pos="1377950" algn="l"/>
-                <a:tab pos="1712913" algn="l"/>
-              </a:tabLst>
-            </a:pPr>
-            <a:r>
-              <a:rPr lang="en-US" b="1">
-                <a:solidFill>
-                  <a:srgbClr val="0000FF"/>
-                </a:solidFill>
-                <a:latin typeface="Courier New" panose="02070309020205020404" pitchFamily="49" charset="0"/>
-                <a:cs typeface="Courier New" panose="02070309020205020404" pitchFamily="49" charset="0"/>
-              </a:rPr>
-              <a:t>int</a:t>
-            </a:r>
-            <a:r>
-              <a:rPr lang="en-US" b="1">
-                <a:solidFill>
-                  <a:schemeClr val="tx1"/>
-                </a:solidFill>
-                <a:latin typeface="Courier New" panose="02070309020205020404" pitchFamily="49" charset="0"/>
-                <a:cs typeface="Courier New" panose="02070309020205020404" pitchFamily="49" charset="0"/>
-              </a:rPr>
-              <a:t> main()</a:t>
-            </a:r>
-          </a:p>
-          <a:p>
-            <a:pPr>
-              <a:tabLst>
-                <a:tab pos="347663" algn="l"/>
-                <a:tab pos="682625" algn="l"/>
-                <a:tab pos="1087438" algn="l"/>
-                <a:tab pos="1377950" algn="l"/>
-                <a:tab pos="1712913" algn="l"/>
-              </a:tabLst>
-            </a:pPr>
-            <a:r>
-              <a:rPr lang="en-US" b="1">
-                <a:solidFill>
-                  <a:schemeClr val="tx1"/>
-                </a:solidFill>
-                <a:latin typeface="Courier New" panose="02070309020205020404" pitchFamily="49" charset="0"/>
-                <a:cs typeface="Courier New" panose="02070309020205020404" pitchFamily="49" charset="0"/>
-              </a:rPr>
-              <a:t>{</a:t>
-            </a:r>
-          </a:p>
-          <a:p>
-            <a:pPr>
-              <a:tabLst>
-                <a:tab pos="347663" algn="l"/>
-                <a:tab pos="682625" algn="l"/>
-                <a:tab pos="1087438" algn="l"/>
-                <a:tab pos="1377950" algn="l"/>
-                <a:tab pos="1712913" algn="l"/>
-              </a:tabLst>
-            </a:pPr>
-            <a:r>
-              <a:rPr lang="en-US" b="1">
-                <a:solidFill>
-                  <a:schemeClr val="tx1"/>
-                </a:solidFill>
-                <a:latin typeface="Courier New" panose="02070309020205020404" pitchFamily="49" charset="0"/>
-                <a:cs typeface="Courier New" panose="02070309020205020404" pitchFamily="49" charset="0"/>
-              </a:rPr>
-              <a:t>  </a:t>
-            </a:r>
-            <a:r>
-              <a:rPr lang="en-US" b="1">
-                <a:solidFill>
-                  <a:srgbClr val="0000FF"/>
-                </a:solidFill>
-                <a:latin typeface="Courier New" panose="02070309020205020404" pitchFamily="49" charset="0"/>
-                <a:cs typeface="Courier New" panose="02070309020205020404" pitchFamily="49" charset="0"/>
-              </a:rPr>
-              <a:t>long</a:t>
-            </a:r>
-            <a:r>
-              <a:rPr lang="en-US" b="1">
-                <a:solidFill>
-                  <a:schemeClr val="tx1"/>
-                </a:solidFill>
-                <a:latin typeface="Courier New" panose="02070309020205020404" pitchFamily="49" charset="0"/>
-                <a:cs typeface="Courier New" panose="02070309020205020404" pitchFamily="49" charset="0"/>
-              </a:rPr>
-              <a:t> x = </a:t>
-            </a:r>
-            <a:r>
-              <a:rPr lang="en-US" b="1">
-                <a:solidFill>
-                  <a:srgbClr val="C00000"/>
-                </a:solidFill>
-                <a:latin typeface="Courier New" panose="02070309020205020404" pitchFamily="49" charset="0"/>
-                <a:cs typeface="Courier New" panose="02070309020205020404" pitchFamily="49" charset="0"/>
-              </a:rPr>
-              <a:t>1</a:t>
-            </a:r>
-            <a:r>
-              <a:rPr lang="en-US" b="1">
-                <a:solidFill>
-                  <a:schemeClr val="tx1"/>
-                </a:solidFill>
-                <a:latin typeface="Courier New" panose="02070309020205020404" pitchFamily="49" charset="0"/>
-                <a:cs typeface="Courier New" panose="02070309020205020404" pitchFamily="49" charset="0"/>
-              </a:rPr>
-              <a:t>;</a:t>
-            </a:r>
-          </a:p>
-          <a:p>
-            <a:pPr>
-              <a:tabLst>
-                <a:tab pos="347663" algn="l"/>
-                <a:tab pos="682625" algn="l"/>
-                <a:tab pos="1087438" algn="l"/>
-                <a:tab pos="1377950" algn="l"/>
-                <a:tab pos="1712913" algn="l"/>
-              </a:tabLst>
-            </a:pPr>
-            <a:r>
-              <a:rPr lang="en-US" b="1">
-                <a:solidFill>
-                  <a:schemeClr val="tx1"/>
-                </a:solidFill>
-                <a:latin typeface="Courier New" panose="02070309020205020404" pitchFamily="49" charset="0"/>
-                <a:cs typeface="Courier New" panose="02070309020205020404" pitchFamily="49" charset="0"/>
-              </a:rPr>
-              <a:t>  </a:t>
-            </a:r>
-            <a:r>
-              <a:rPr lang="en-US" b="1">
-                <a:solidFill>
-                  <a:srgbClr val="0000FF"/>
-                </a:solidFill>
-                <a:latin typeface="Courier New" panose="02070309020205020404" pitchFamily="49" charset="0"/>
-                <a:cs typeface="Courier New" panose="02070309020205020404" pitchFamily="49" charset="0"/>
-              </a:rPr>
-              <a:t>long</a:t>
-            </a:r>
-            <a:r>
-              <a:rPr lang="en-US" b="1">
-                <a:solidFill>
-                  <a:schemeClr val="tx1"/>
-                </a:solidFill>
-                <a:latin typeface="Courier New" panose="02070309020205020404" pitchFamily="49" charset="0"/>
-                <a:cs typeface="Courier New" panose="02070309020205020404" pitchFamily="49" charset="0"/>
-              </a:rPr>
-              <a:t> y;</a:t>
-            </a:r>
-          </a:p>
-          <a:p>
-            <a:pPr>
-              <a:tabLst>
-                <a:tab pos="347663" algn="l"/>
-                <a:tab pos="682625" algn="l"/>
-                <a:tab pos="1087438" algn="l"/>
-                <a:tab pos="1377950" algn="l"/>
-                <a:tab pos="1712913" algn="l"/>
-              </a:tabLst>
-            </a:pPr>
-            <a:r>
-              <a:rPr lang="en-US" b="1">
-                <a:solidFill>
-                  <a:srgbClr val="0000FF"/>
-                </a:solidFill>
-                <a:latin typeface="Courier New" panose="02070309020205020404" pitchFamily="49" charset="0"/>
-                <a:cs typeface="Courier New" panose="02070309020205020404" pitchFamily="49" charset="0"/>
-              </a:rPr>
-              <a:t>  </a:t>
-            </a:r>
-            <a:r>
-              <a:rPr lang="en-US" b="1">
-                <a:solidFill>
-                  <a:schemeClr val="tx1"/>
-                </a:solidFill>
-                <a:latin typeface="Courier New" panose="02070309020205020404" pitchFamily="49" charset="0"/>
-                <a:cs typeface="Courier New" panose="02070309020205020404" pitchFamily="49" charset="0"/>
-              </a:rPr>
-              <a:t>y = add(x, </a:t>
-            </a:r>
-            <a:r>
-              <a:rPr lang="en-US" b="1">
-                <a:solidFill>
-                  <a:srgbClr val="C00000"/>
-                </a:solidFill>
-                <a:latin typeface="Courier New" panose="02070309020205020404" pitchFamily="49" charset="0"/>
-                <a:cs typeface="Courier New" panose="02070309020205020404" pitchFamily="49" charset="0"/>
-              </a:rPr>
-              <a:t>10</a:t>
-            </a:r>
-            <a:r>
-              <a:rPr lang="en-US" b="1">
-                <a:solidFill>
-                  <a:schemeClr val="tx1"/>
-                </a:solidFill>
-                <a:latin typeface="Courier New" panose="02070309020205020404" pitchFamily="49" charset="0"/>
-                <a:cs typeface="Courier New" panose="02070309020205020404" pitchFamily="49" charset="0"/>
-              </a:rPr>
-              <a:t>);</a:t>
-            </a:r>
-          </a:p>
-          <a:p>
-            <a:pPr>
-              <a:tabLst>
-                <a:tab pos="347663" algn="l"/>
-                <a:tab pos="682625" algn="l"/>
-                <a:tab pos="1087438" algn="l"/>
-                <a:tab pos="1377950" algn="l"/>
-                <a:tab pos="1712913" algn="l"/>
-              </a:tabLst>
-            </a:pPr>
-            <a:r>
-              <a:rPr lang="en-US" b="1">
-                <a:solidFill>
-                  <a:schemeClr val="tx1"/>
-                </a:solidFill>
-                <a:latin typeface="Courier New" panose="02070309020205020404" pitchFamily="49" charset="0"/>
-                <a:cs typeface="Courier New" panose="02070309020205020404" pitchFamily="49" charset="0"/>
-              </a:rPr>
-              <a:t>  …</a:t>
-            </a:r>
-          </a:p>
-          <a:p>
-            <a:pPr>
-              <a:tabLst>
-                <a:tab pos="347663" algn="l"/>
-                <a:tab pos="682625" algn="l"/>
-                <a:tab pos="1087438" algn="l"/>
-                <a:tab pos="1377950" algn="l"/>
-                <a:tab pos="1712913" algn="l"/>
-              </a:tabLst>
-            </a:pPr>
-            <a:r>
-              <a:rPr lang="en-US" b="1">
-                <a:solidFill>
-                  <a:schemeClr val="tx1"/>
-                </a:solidFill>
-                <a:latin typeface="Courier New" panose="02070309020205020404" pitchFamily="49" charset="0"/>
-                <a:cs typeface="Courier New" panose="02070309020205020404" pitchFamily="49" charset="0"/>
-              </a:rPr>
-              <a:t>}</a:t>
-            </a:r>
-          </a:p>
-        </p:txBody>
-      </p:sp>
-      <p:pic>
-        <p:nvPicPr>
-          <p:cNvPr id="5" name="Picture 4" descr="A picture containing diagram&#10;&#10;Description automatically generated">
-            <a:extLst>
-              <a:ext uri="{FF2B5EF4-FFF2-40B4-BE49-F238E27FC236}">
-                <a16:creationId xmlns:a16="http://schemas.microsoft.com/office/drawing/2014/main" id="{242BC886-F834-413A-AE89-A5BA4EA26039}"/>
+                <a16:creationId xmlns:a16="http://schemas.microsoft.com/office/drawing/2014/main" id="{1D40ECF6-344B-FE48-B159-24A367AE2581}"/>
               </a:ext>
             </a:extLst>
           </p:cNvPr>
@@ -9041,134 +9440,16 @@
           </p:cNvPicPr>
           <p:nvPr/>
         </p:nvPicPr>
-        <p:blipFill rotWithShape="1">
-          <a:blip r:embed="rId3">
-            <a:extLst>
-              <a:ext uri="{28A0092B-C50C-407E-A947-70E740481C1C}">
-                <a14:useLocalDpi xmlns:a14="http://schemas.microsoft.com/office/drawing/2010/main" val="0"/>
-              </a:ext>
-            </a:extLst>
-          </a:blip>
-          <a:srcRect l="28857" r="22000"/>
-          <a:stretch/>
+        <p:blipFill>
+          <a:blip r:embed="rId3"/>
+          <a:stretch>
+            <a:fillRect/>
+          </a:stretch>
         </p:blipFill>
         <p:spPr>
           <a:xfrm>
-            <a:off x="3796707" y="2911653"/>
-            <a:ext cx="4493623" cy="3571875"/>
-          </a:xfrm>
-          <a:prstGeom prst="rect">
-            <a:avLst/>
-          </a:prstGeom>
-        </p:spPr>
-      </p:pic>
-      <p:cxnSp>
-        <p:nvCxnSpPr>
-          <p:cNvPr id="18" name="Straight Arrow Connector 17">
-            <a:extLst>
-              <a:ext uri="{FF2B5EF4-FFF2-40B4-BE49-F238E27FC236}">
-                <a16:creationId xmlns:a16="http://schemas.microsoft.com/office/drawing/2014/main" id="{370E7FFF-A963-44C1-90E8-1FD6843962A5}"/>
-              </a:ext>
-            </a:extLst>
-          </p:cNvPr>
-          <p:cNvCxnSpPr>
-            <a:cxnSpLocks/>
-          </p:cNvCxnSpPr>
-          <p:nvPr/>
-        </p:nvCxnSpPr>
-        <p:spPr>
-          <a:xfrm>
-            <a:off x="533400" y="2905949"/>
-            <a:ext cx="782007" cy="0"/>
-          </a:xfrm>
-          <a:prstGeom prst="straightConnector1">
-            <a:avLst/>
-          </a:prstGeom>
-          <a:ln w="25400">
-            <a:solidFill>
-              <a:srgbClr val="FF0000"/>
-            </a:solidFill>
-            <a:tailEnd type="triangle"/>
-          </a:ln>
-        </p:spPr>
-        <p:style>
-          <a:lnRef idx="1">
-            <a:schemeClr val="accent1"/>
-          </a:lnRef>
-          <a:fillRef idx="0">
-            <a:schemeClr val="accent1"/>
-          </a:fillRef>
-          <a:effectRef idx="0">
-            <a:schemeClr val="accent1"/>
-          </a:effectRef>
-          <a:fontRef idx="minor">
-            <a:schemeClr val="tx1"/>
-          </a:fontRef>
-        </p:style>
-      </p:cxnSp>
-      <p:sp>
-        <p:nvSpPr>
-          <p:cNvPr id="2" name="TextBox 1">
-            <a:extLst>
-              <a:ext uri="{FF2B5EF4-FFF2-40B4-BE49-F238E27FC236}">
-                <a16:creationId xmlns:a16="http://schemas.microsoft.com/office/drawing/2014/main" id="{51C58C27-3B14-42B9-A7E7-EA4CB9CA7257}"/>
-              </a:ext>
-            </a:extLst>
-          </p:cNvPr>
-          <p:cNvSpPr txBox="1"/>
-          <p:nvPr/>
-        </p:nvSpPr>
-        <p:spPr>
-          <a:xfrm>
-            <a:off x="5956667" y="3244334"/>
-            <a:ext cx="619046" cy="369332"/>
-          </a:xfrm>
-          <a:prstGeom prst="rect">
-            <a:avLst/>
-          </a:prstGeom>
-          <a:solidFill>
-            <a:srgbClr val="ECEAEA"/>
-          </a:solidFill>
-        </p:spPr>
-        <p:txBody>
-          <a:bodyPr wrap="square" rtlCol="0">
-            <a:spAutoFit/>
-          </a:bodyPr>
-          <a:lstStyle/>
-          <a:p>
-            <a:endParaRPr lang="en-US"/>
-          </a:p>
-        </p:txBody>
-      </p:sp>
-      <p:pic>
-        <p:nvPicPr>
-          <p:cNvPr id="13" name="Picture 12" descr="A picture containing diagram&#10;&#10;Description automatically generated">
-            <a:extLst>
-              <a:ext uri="{FF2B5EF4-FFF2-40B4-BE49-F238E27FC236}">
-                <a16:creationId xmlns:a16="http://schemas.microsoft.com/office/drawing/2014/main" id="{099946CC-D55C-427B-87A8-2A28E4640BC5}"/>
-              </a:ext>
-            </a:extLst>
-          </p:cNvPr>
-          <p:cNvPicPr>
-            <a:picLocks noChangeAspect="1"/>
-          </p:cNvPicPr>
-          <p:nvPr/>
-        </p:nvPicPr>
-        <p:blipFill rotWithShape="1">
-          <a:blip r:embed="rId3">
-            <a:extLst>
-              <a:ext uri="{28A0092B-C50C-407E-A947-70E740481C1C}">
-                <a14:useLocalDpi xmlns:a14="http://schemas.microsoft.com/office/drawing/2010/main" val="0"/>
-              </a:ext>
-            </a:extLst>
-          </a:blip>
-          <a:srcRect l="52948" t="78185" r="45293" b="14941"/>
-          <a:stretch/>
-        </p:blipFill>
-        <p:spPr>
-          <a:xfrm>
-            <a:off x="6009650" y="3281926"/>
-            <a:ext cx="160867" cy="245533"/>
+            <a:off x="891249" y="2914488"/>
+            <a:ext cx="6820701" cy="3817806"/>
           </a:xfrm>
           <a:prstGeom prst="rect">
             <a:avLst/>
@@ -13100,103 +13381,6 @@
       </p:sp>
       <p:sp>
         <p:nvSpPr>
-          <p:cNvPr id="10" name="TextBox 9">
-            <a:extLst>
-              <a:ext uri="{FF2B5EF4-FFF2-40B4-BE49-F238E27FC236}">
-                <a16:creationId xmlns:a16="http://schemas.microsoft.com/office/drawing/2014/main" id="{DC015A31-59EB-4945-B34A-AB4D01672DA6}"/>
-              </a:ext>
-            </a:extLst>
-          </p:cNvPr>
-          <p:cNvSpPr txBox="1"/>
-          <p:nvPr/>
-        </p:nvSpPr>
-        <p:spPr>
-          <a:xfrm>
-            <a:off x="6605991" y="4271796"/>
-            <a:ext cx="2274240" cy="369332"/>
-          </a:xfrm>
-          <a:prstGeom prst="rect">
-            <a:avLst/>
-          </a:prstGeom>
-          <a:solidFill>
-            <a:srgbClr val="CCFFFF"/>
-          </a:solidFill>
-          <a:ln w="12700"/>
-        </p:spPr>
-        <p:style>
-          <a:lnRef idx="2">
-            <a:schemeClr val="accent4"/>
-          </a:lnRef>
-          <a:fillRef idx="1">
-            <a:schemeClr val="lt1"/>
-          </a:fillRef>
-          <a:effectRef idx="0">
-            <a:schemeClr val="accent4"/>
-          </a:effectRef>
-          <a:fontRef idx="minor">
-            <a:schemeClr val="dk1"/>
-          </a:fontRef>
-        </p:style>
-        <p:txBody>
-          <a:bodyPr wrap="square" rtlCol="0">
-            <a:spAutoFit/>
-          </a:bodyPr>
-          <a:lstStyle/>
-          <a:p>
-            <a:r>
-              <a:rPr lang="en-US"/>
-              <a:t>Why this condition?</a:t>
-            </a:r>
-          </a:p>
-        </p:txBody>
-      </p:sp>
-      <p:cxnSp>
-        <p:nvCxnSpPr>
-          <p:cNvPr id="11" name="Straight Arrow Connector 10">
-            <a:extLst>
-              <a:ext uri="{FF2B5EF4-FFF2-40B4-BE49-F238E27FC236}">
-                <a16:creationId xmlns:a16="http://schemas.microsoft.com/office/drawing/2014/main" id="{692DA3A9-F762-430E-A74A-81B0C7CCC482}"/>
-              </a:ext>
-            </a:extLst>
-          </p:cNvPr>
-          <p:cNvCxnSpPr>
-            <a:cxnSpLocks/>
-            <a:stCxn id="10" idx="1"/>
-          </p:cNvCxnSpPr>
-          <p:nvPr/>
-        </p:nvCxnSpPr>
-        <p:spPr>
-          <a:xfrm flipH="1">
-            <a:off x="5661063" y="4456462"/>
-            <a:ext cx="944928" cy="397956"/>
-          </a:xfrm>
-          <a:prstGeom prst="straightConnector1">
-            <a:avLst/>
-          </a:prstGeom>
-          <a:ln w="25400">
-            <a:solidFill>
-              <a:srgbClr val="FF0000"/>
-            </a:solidFill>
-            <a:tailEnd type="triangle"/>
-          </a:ln>
-        </p:spPr>
-        <p:style>
-          <a:lnRef idx="1">
-            <a:schemeClr val="accent1"/>
-          </a:lnRef>
-          <a:fillRef idx="0">
-            <a:schemeClr val="accent1"/>
-          </a:fillRef>
-          <a:effectRef idx="0">
-            <a:schemeClr val="accent1"/>
-          </a:effectRef>
-          <a:fontRef idx="minor">
-            <a:schemeClr val="tx1"/>
-          </a:fontRef>
-        </p:style>
-      </p:cxnSp>
-      <p:sp>
-        <p:nvSpPr>
           <p:cNvPr id="16" name="TextBox 15">
             <a:extLst>
               <a:ext uri="{FF2B5EF4-FFF2-40B4-BE49-F238E27FC236}">
@@ -13242,7 +13426,19 @@
           <a:p>
             <a:r>
               <a:rPr lang="en-SG" altLang="zh-CN"/>
-              <a:t>Declaring and initializing an array.</a:t>
+              <a:t>Declaring and </a:t>
+            </a:r>
+            <a:r>
+              <a:rPr lang="en-SG" altLang="zh-CN">
+                <a:solidFill>
+                  <a:srgbClr val="FF0000"/>
+                </a:solidFill>
+              </a:rPr>
+              <a:t>initializing</a:t>
+            </a:r>
+            <a:r>
+              <a:rPr lang="en-SG" altLang="zh-CN"/>
+              <a:t> an array.</a:t>
             </a:r>
             <a:endParaRPr lang="en-US"/>
           </a:p>
@@ -13295,7 +13491,853 @@
           <a:p>
             <a:r>
               <a:rPr lang="en-SG"/>
-              <a:t>Iterating through the elements.</a:t>
+              <a:t>Iterating through the array.</a:t>
+            </a:r>
+            <a:endParaRPr lang="en-US"/>
+          </a:p>
+        </p:txBody>
+      </p:sp>
+      <p:sp>
+        <p:nvSpPr>
+          <p:cNvPr id="10" name="TextBox 9">
+            <a:extLst>
+              <a:ext uri="{FF2B5EF4-FFF2-40B4-BE49-F238E27FC236}">
+                <a16:creationId xmlns:a16="http://schemas.microsoft.com/office/drawing/2014/main" id="{2EDFDD67-6333-9844-8194-21DDDD857199}"/>
+              </a:ext>
+            </a:extLst>
+          </p:cNvPr>
+          <p:cNvSpPr txBox="1"/>
+          <p:nvPr/>
+        </p:nvSpPr>
+        <p:spPr>
+          <a:xfrm>
+            <a:off x="6605991" y="4271796"/>
+            <a:ext cx="2274240" cy="369332"/>
+          </a:xfrm>
+          <a:prstGeom prst="rect">
+            <a:avLst/>
+          </a:prstGeom>
+          <a:solidFill>
+            <a:srgbClr val="CCFFFF"/>
+          </a:solidFill>
+          <a:ln w="12700"/>
+        </p:spPr>
+        <p:style>
+          <a:lnRef idx="2">
+            <a:schemeClr val="accent4"/>
+          </a:lnRef>
+          <a:fillRef idx="1">
+            <a:schemeClr val="lt1"/>
+          </a:fillRef>
+          <a:effectRef idx="0">
+            <a:schemeClr val="accent4"/>
+          </a:effectRef>
+          <a:fontRef idx="minor">
+            <a:schemeClr val="dk1"/>
+          </a:fontRef>
+        </p:style>
+        <p:txBody>
+          <a:bodyPr wrap="square" rtlCol="0">
+            <a:spAutoFit/>
+          </a:bodyPr>
+          <a:lstStyle/>
+          <a:p>
+            <a:r>
+              <a:rPr lang="en-US"/>
+              <a:t>Why this condition?</a:t>
+            </a:r>
+          </a:p>
+        </p:txBody>
+      </p:sp>
+      <p:cxnSp>
+        <p:nvCxnSpPr>
+          <p:cNvPr id="11" name="Straight Arrow Connector 10">
+            <a:extLst>
+              <a:ext uri="{FF2B5EF4-FFF2-40B4-BE49-F238E27FC236}">
+                <a16:creationId xmlns:a16="http://schemas.microsoft.com/office/drawing/2014/main" id="{3EB55ED0-34DD-3648-82BE-386DCFECCD9D}"/>
+              </a:ext>
+            </a:extLst>
+          </p:cNvPr>
+          <p:cNvCxnSpPr>
+            <a:cxnSpLocks/>
+            <a:stCxn id="10" idx="1"/>
+          </p:cNvCxnSpPr>
+          <p:nvPr/>
+        </p:nvCxnSpPr>
+        <p:spPr>
+          <a:xfrm flipH="1">
+            <a:off x="5661063" y="4456462"/>
+            <a:ext cx="944928" cy="397956"/>
+          </a:xfrm>
+          <a:prstGeom prst="straightConnector1">
+            <a:avLst/>
+          </a:prstGeom>
+          <a:ln w="25400">
+            <a:solidFill>
+              <a:srgbClr val="FF0000"/>
+            </a:solidFill>
+            <a:tailEnd type="triangle"/>
+          </a:ln>
+        </p:spPr>
+        <p:style>
+          <a:lnRef idx="1">
+            <a:schemeClr val="accent1"/>
+          </a:lnRef>
+          <a:fillRef idx="0">
+            <a:schemeClr val="accent1"/>
+          </a:fillRef>
+          <a:effectRef idx="0">
+            <a:schemeClr val="accent1"/>
+          </a:effectRef>
+          <a:fontRef idx="minor">
+            <a:schemeClr val="tx1"/>
+          </a:fontRef>
+        </p:style>
+      </p:cxnSp>
+    </p:spTree>
+    <p:extLst>
+      <p:ext uri="{BB962C8B-B14F-4D97-AF65-F5344CB8AC3E}">
+        <p14:creationId xmlns:p14="http://schemas.microsoft.com/office/powerpoint/2010/main" val="282410985"/>
+      </p:ext>
+    </p:extLst>
+  </p:cSld>
+  <p:clrMapOvr>
+    <a:masterClrMapping/>
+  </p:clrMapOvr>
+  <p:transition>
+    <p:fade/>
+  </p:transition>
+</p:sld>
+</file>
+
+<file path=ppt/slides/slide5.xml><?xml version="1.0" encoding="utf-8"?>
+<p:sld xmlns:a="http://schemas.openxmlformats.org/drawingml/2006/main" xmlns:r="http://schemas.openxmlformats.org/officeDocument/2006/relationships" xmlns:p="http://schemas.openxmlformats.org/presentationml/2006/main">
+  <p:cSld>
+    <p:spTree>
+      <p:nvGrpSpPr>
+        <p:cNvPr id="1" name=""/>
+        <p:cNvGrpSpPr/>
+        <p:nvPr/>
+      </p:nvGrpSpPr>
+      <p:grpSpPr>
+        <a:xfrm>
+          <a:off x="0" y="0"/>
+          <a:ext cx="0" cy="0"/>
+          <a:chOff x="0" y="0"/>
+          <a:chExt cx="0" cy="0"/>
+        </a:xfrm>
+      </p:grpSpPr>
+      <p:sp>
+        <p:nvSpPr>
+          <p:cNvPr id="14338" name="Rectangle 2"/>
+          <p:cNvSpPr>
+            <a:spLocks noGrp="1" noChangeArrowheads="1"/>
+          </p:cNvSpPr>
+          <p:nvPr>
+            <p:ph type="title"/>
+          </p:nvPr>
+        </p:nvSpPr>
+        <p:spPr>
+          <a:xfrm>
+            <a:off x="533400" y="381000"/>
+            <a:ext cx="8382000" cy="838200"/>
+          </a:xfrm>
+        </p:spPr>
+        <p:txBody>
+          <a:bodyPr>
+            <a:normAutofit/>
+          </a:bodyPr>
+          <a:lstStyle/>
+          <a:p>
+            <a:pPr eaLnBrk="1" hangingPunct="1"/>
+            <a:r>
+              <a:rPr lang="en-GB" sz="3600">
+                <a:solidFill>
+                  <a:srgbClr val="0000FF"/>
+                </a:solidFill>
+              </a:rPr>
+              <a:t>Pop Quiz</a:t>
+            </a:r>
+          </a:p>
+        </p:txBody>
+      </p:sp>
+      <p:sp>
+        <p:nvSpPr>
+          <p:cNvPr id="7" name="Slide Number Placeholder 6"/>
+          <p:cNvSpPr>
+            <a:spLocks noGrp="1"/>
+          </p:cNvSpPr>
+          <p:nvPr>
+            <p:ph type="sldNum" sz="quarter" idx="12"/>
+          </p:nvPr>
+        </p:nvSpPr>
+        <p:spPr/>
+        <p:txBody>
+          <a:bodyPr>
+            <a:normAutofit/>
+          </a:bodyPr>
+          <a:lstStyle/>
+          <a:p>
+            <a:pPr>
+              <a:defRPr/>
+            </a:pPr>
+            <a:r>
+              <a:rPr lang="en-US"/>
+              <a:t>Week6</a:t>
+            </a:r>
+            <a:r>
+              <a:rPr sz="1200"/>
+              <a:t> - </a:t>
+            </a:r>
+            <a:fld id="{F7EC234A-9094-4BB8-9EA4-75ECDA8A365B}" type="slidenum">
+              <a:rPr sz="1200" smtClean="0"/>
+              <a:pPr>
+                <a:defRPr/>
+              </a:pPr>
+              <a:t>5</a:t>
+            </a:fld>
+            <a:endParaRPr sz="1200"/>
+          </a:p>
+        </p:txBody>
+      </p:sp>
+      <p:sp>
+        <p:nvSpPr>
+          <p:cNvPr id="12" name="[Date Placeholder 3]"/>
+          <p:cNvSpPr>
+            <a:spLocks noGrp="1"/>
+          </p:cNvSpPr>
+          <p:nvPr>
+            <p:ph type="dt" sz="half" idx="10"/>
+          </p:nvPr>
+        </p:nvSpPr>
+        <p:spPr>
+          <a:xfrm>
+            <a:off x="457200" y="18288"/>
+            <a:ext cx="2895600" cy="329184"/>
+          </a:xfrm>
+        </p:spPr>
+        <p:txBody>
+          <a:bodyPr/>
+          <a:lstStyle/>
+          <a:p>
+            <a:pPr>
+              <a:defRPr/>
+            </a:pPr>
+            <a:r>
+              <a:rPr lang="en-US"/>
+              <a:t>© NUS</a:t>
+            </a:r>
+          </a:p>
+        </p:txBody>
+      </p:sp>
+      <p:sp>
+        <p:nvSpPr>
+          <p:cNvPr id="9" name="Content Placeholder 5">
+            <a:extLst>
+              <a:ext uri="{FF2B5EF4-FFF2-40B4-BE49-F238E27FC236}">
+                <a16:creationId xmlns:a16="http://schemas.microsoft.com/office/drawing/2014/main" id="{E822A0D5-9D76-43F4-AB94-614D7B22B216}"/>
+              </a:ext>
+            </a:extLst>
+          </p:cNvPr>
+          <p:cNvSpPr>
+            <a:spLocks noGrp="1"/>
+          </p:cNvSpPr>
+          <p:nvPr>
+            <p:ph idx="1"/>
+          </p:nvPr>
+        </p:nvSpPr>
+        <p:spPr>
+          <a:xfrm>
+            <a:off x="587375" y="1187450"/>
+            <a:ext cx="8292856" cy="5289550"/>
+          </a:xfrm>
+        </p:spPr>
+        <p:txBody>
+          <a:bodyPr>
+            <a:noAutofit/>
+          </a:bodyPr>
+          <a:lstStyle/>
+          <a:p>
+            <a:pPr marL="347663" indent="-347663">
+              <a:spcBef>
+                <a:spcPts val="600"/>
+              </a:spcBef>
+              <a:buClr>
+                <a:schemeClr val="tx1">
+                  <a:lumMod val="90000"/>
+                  <a:lumOff val="10000"/>
+                </a:schemeClr>
+              </a:buClr>
+              <a:buSzPct val="100000"/>
+              <a:buFont typeface="Wingdings" panose="05000000000000000000" pitchFamily="2" charset="2"/>
+              <a:buChar char="§"/>
+              <a:defRPr/>
+            </a:pPr>
+            <a:r>
+              <a:rPr lang="en-US" sz="2800"/>
+              <a:t>What is the quickest way to initialize every slot in an array to 0?</a:t>
+            </a:r>
+          </a:p>
+          <a:p>
+            <a:pPr marL="347663" indent="-347663">
+              <a:spcBef>
+                <a:spcPts val="600"/>
+              </a:spcBef>
+              <a:buClr>
+                <a:schemeClr val="tx1">
+                  <a:lumMod val="90000"/>
+                  <a:lumOff val="10000"/>
+                </a:schemeClr>
+              </a:buClr>
+              <a:buSzPct val="100000"/>
+              <a:buFont typeface="Wingdings" panose="05000000000000000000" pitchFamily="2" charset="2"/>
+              <a:buChar char="§"/>
+              <a:defRPr/>
+            </a:pPr>
+            <a:endParaRPr lang="en-US" sz="2800"/>
+          </a:p>
+          <a:p>
+            <a:pPr marL="347663" indent="-347663">
+              <a:spcBef>
+                <a:spcPts val="600"/>
+              </a:spcBef>
+              <a:buClr>
+                <a:schemeClr val="tx1">
+                  <a:lumMod val="90000"/>
+                  <a:lumOff val="10000"/>
+                </a:schemeClr>
+              </a:buClr>
+              <a:buSzPct val="100000"/>
+              <a:buFont typeface="Wingdings" panose="05000000000000000000" pitchFamily="2" charset="2"/>
+              <a:buChar char="§"/>
+              <a:defRPr/>
+            </a:pPr>
+            <a:endParaRPr lang="en-US" sz="2800"/>
+          </a:p>
+          <a:p>
+            <a:pPr marL="347663" indent="-347663">
+              <a:spcBef>
+                <a:spcPts val="600"/>
+              </a:spcBef>
+              <a:buClr>
+                <a:schemeClr val="tx1">
+                  <a:lumMod val="90000"/>
+                  <a:lumOff val="10000"/>
+                </a:schemeClr>
+              </a:buClr>
+              <a:buSzPct val="100000"/>
+              <a:buFont typeface="Wingdings" panose="05000000000000000000" pitchFamily="2" charset="2"/>
+              <a:buChar char="§"/>
+              <a:defRPr/>
+            </a:pPr>
+            <a:r>
+              <a:rPr lang="en-US" sz="2800"/>
+              <a:t>What is wrong with the following code?</a:t>
+            </a:r>
+          </a:p>
+          <a:p>
+            <a:pPr marL="347663" indent="-347663">
+              <a:spcBef>
+                <a:spcPts val="600"/>
+              </a:spcBef>
+              <a:buClr>
+                <a:schemeClr val="tx1">
+                  <a:lumMod val="90000"/>
+                  <a:lumOff val="10000"/>
+                </a:schemeClr>
+              </a:buClr>
+              <a:buSzPct val="100000"/>
+              <a:buFont typeface="Wingdings" panose="05000000000000000000" pitchFamily="2" charset="2"/>
+              <a:buChar char="§"/>
+              <a:defRPr/>
+            </a:pPr>
+            <a:endParaRPr lang="en-US" sz="2400"/>
+          </a:p>
+          <a:p>
+            <a:pPr marL="621983" lvl="1" indent="-347663">
+              <a:spcBef>
+                <a:spcPts val="600"/>
+              </a:spcBef>
+              <a:buClr>
+                <a:schemeClr val="tx1">
+                  <a:lumMod val="90000"/>
+                  <a:lumOff val="10000"/>
+                </a:schemeClr>
+              </a:buClr>
+              <a:buSzPct val="100000"/>
+              <a:buFont typeface="Wingdings" panose="05000000000000000000" pitchFamily="2" charset="2"/>
+              <a:buChar char="§"/>
+              <a:defRPr/>
+            </a:pPr>
+            <a:endParaRPr lang="en-US" sz="2400"/>
+          </a:p>
+          <a:p>
+            <a:pPr marL="621983" lvl="1" indent="-347663">
+              <a:spcBef>
+                <a:spcPts val="600"/>
+              </a:spcBef>
+              <a:buClr>
+                <a:schemeClr val="tx1">
+                  <a:lumMod val="90000"/>
+                  <a:lumOff val="10000"/>
+                </a:schemeClr>
+              </a:buClr>
+              <a:buSzPct val="100000"/>
+              <a:buFont typeface="Wingdings" panose="05000000000000000000" pitchFamily="2" charset="2"/>
+              <a:buChar char="§"/>
+              <a:defRPr/>
+            </a:pPr>
+            <a:endParaRPr lang="en-US" sz="2400"/>
+          </a:p>
+          <a:p>
+            <a:pPr marL="621983" lvl="1" indent="-347663">
+              <a:spcBef>
+                <a:spcPts val="600"/>
+              </a:spcBef>
+              <a:buClr>
+                <a:schemeClr val="tx1">
+                  <a:lumMod val="90000"/>
+                  <a:lumOff val="10000"/>
+                </a:schemeClr>
+              </a:buClr>
+              <a:buSzPct val="100000"/>
+              <a:buFont typeface="Wingdings" panose="05000000000000000000" pitchFamily="2" charset="2"/>
+              <a:buChar char="§"/>
+              <a:defRPr/>
+            </a:pPr>
+            <a:endParaRPr lang="en-US" sz="2400"/>
+          </a:p>
+          <a:p>
+            <a:pPr marL="621983" lvl="1" indent="-347663">
+              <a:spcBef>
+                <a:spcPts val="600"/>
+              </a:spcBef>
+              <a:buClr>
+                <a:schemeClr val="tx1">
+                  <a:lumMod val="90000"/>
+                  <a:lumOff val="10000"/>
+                </a:schemeClr>
+              </a:buClr>
+              <a:buSzPct val="100000"/>
+              <a:buFont typeface="Wingdings" panose="05000000000000000000" pitchFamily="2" charset="2"/>
+              <a:buChar char="§"/>
+              <a:defRPr/>
+            </a:pPr>
+            <a:endParaRPr lang="en-US" sz="2400"/>
+          </a:p>
+        </p:txBody>
+      </p:sp>
+      <p:sp>
+        <p:nvSpPr>
+          <p:cNvPr id="14" name="TextBox 13">
+            <a:extLst>
+              <a:ext uri="{FF2B5EF4-FFF2-40B4-BE49-F238E27FC236}">
+                <a16:creationId xmlns:a16="http://schemas.microsoft.com/office/drawing/2014/main" id="{CD66ED8D-22E9-46BD-B6B2-A4DE4AFD1420}"/>
+              </a:ext>
+            </a:extLst>
+          </p:cNvPr>
+          <p:cNvSpPr txBox="1"/>
+          <p:nvPr/>
+        </p:nvSpPr>
+        <p:spPr>
+          <a:xfrm>
+            <a:off x="1065346" y="2231676"/>
+            <a:ext cx="3418422" cy="400110"/>
+          </a:xfrm>
+          <a:prstGeom prst="rect">
+            <a:avLst/>
+          </a:prstGeom>
+          <a:noFill/>
+          <a:ln>
+            <a:solidFill>
+              <a:schemeClr val="tx1"/>
+            </a:solidFill>
+          </a:ln>
+        </p:spPr>
+        <p:txBody>
+          <a:bodyPr wrap="square" rtlCol="0">
+            <a:spAutoFit/>
+          </a:bodyPr>
+          <a:lstStyle/>
+          <a:p>
+            <a:pPr>
+              <a:tabLst>
+                <a:tab pos="293688" algn="l"/>
+                <a:tab pos="620713" algn="l"/>
+              </a:tabLst>
+            </a:pPr>
+            <a:r>
+              <a:rPr lang="en-US" sz="2000" b="1">
+                <a:solidFill>
+                  <a:srgbClr val="0000FF"/>
+                </a:solidFill>
+                <a:latin typeface="Courier New" panose="02070309020205020404" pitchFamily="49" charset="0"/>
+                <a:cs typeface="Courier New" panose="02070309020205020404" pitchFamily="49" charset="0"/>
+              </a:rPr>
+              <a:t>long</a:t>
+            </a:r>
+            <a:r>
+              <a:rPr lang="en-US" sz="2000" b="1">
+                <a:latin typeface="Courier New" panose="02070309020205020404" pitchFamily="49" charset="0"/>
+                <a:cs typeface="Courier New" panose="02070309020205020404" pitchFamily="49" charset="0"/>
+              </a:rPr>
+              <a:t> array[</a:t>
+            </a:r>
+            <a:r>
+              <a:rPr lang="en-US" sz="2000" b="1">
+                <a:solidFill>
+                  <a:srgbClr val="C00000"/>
+                </a:solidFill>
+                <a:latin typeface="Courier New" panose="02070309020205020404" pitchFamily="49" charset="0"/>
+                <a:cs typeface="Courier New" panose="02070309020205020404" pitchFamily="49" charset="0"/>
+              </a:rPr>
+              <a:t>12</a:t>
+            </a:r>
+            <a:r>
+              <a:rPr lang="en-US" sz="2000" b="1">
+                <a:latin typeface="Courier New" panose="02070309020205020404" pitchFamily="49" charset="0"/>
+                <a:cs typeface="Courier New" panose="02070309020205020404" pitchFamily="49" charset="0"/>
+              </a:rPr>
+              <a:t>] = {</a:t>
+            </a:r>
+            <a:r>
+              <a:rPr lang="en-US" sz="2000" b="1">
+                <a:solidFill>
+                  <a:srgbClr val="C00000"/>
+                </a:solidFill>
+                <a:latin typeface="Courier New" panose="02070309020205020404" pitchFamily="49" charset="0"/>
+                <a:cs typeface="Courier New" panose="02070309020205020404" pitchFamily="49" charset="0"/>
+              </a:rPr>
+              <a:t>0</a:t>
+            </a:r>
+            <a:r>
+              <a:rPr lang="en-US" sz="2000" b="1">
+                <a:latin typeface="Courier New" panose="02070309020205020404" pitchFamily="49" charset="0"/>
+                <a:cs typeface="Courier New" panose="02070309020205020404" pitchFamily="49" charset="0"/>
+              </a:rPr>
+              <a:t>};</a:t>
+            </a:r>
+          </a:p>
+        </p:txBody>
+      </p:sp>
+      <p:sp>
+        <p:nvSpPr>
+          <p:cNvPr id="15" name="TextBox 14">
+            <a:extLst>
+              <a:ext uri="{FF2B5EF4-FFF2-40B4-BE49-F238E27FC236}">
+                <a16:creationId xmlns:a16="http://schemas.microsoft.com/office/drawing/2014/main" id="{75BE2DD8-0814-4469-842A-A70512802926}"/>
+              </a:ext>
+            </a:extLst>
+          </p:cNvPr>
+          <p:cNvSpPr txBox="1"/>
+          <p:nvPr/>
+        </p:nvSpPr>
+        <p:spPr>
+          <a:xfrm>
+            <a:off x="1065346" y="3644261"/>
+            <a:ext cx="6963728" cy="1631216"/>
+          </a:xfrm>
+          <a:prstGeom prst="rect">
+            <a:avLst/>
+          </a:prstGeom>
+          <a:noFill/>
+          <a:ln>
+            <a:solidFill>
+              <a:schemeClr val="tx1"/>
+            </a:solidFill>
+          </a:ln>
+        </p:spPr>
+        <p:txBody>
+          <a:bodyPr wrap="square" rtlCol="0">
+            <a:spAutoFit/>
+          </a:bodyPr>
+          <a:lstStyle/>
+          <a:p>
+            <a:pPr>
+              <a:tabLst>
+                <a:tab pos="293688" algn="l"/>
+                <a:tab pos="620713" algn="l"/>
+              </a:tabLst>
+            </a:pPr>
+            <a:r>
+              <a:rPr lang="en-US" sz="2000" b="1">
+                <a:solidFill>
+                  <a:srgbClr val="0000FF"/>
+                </a:solidFill>
+                <a:latin typeface="Courier New" panose="02070309020205020404" pitchFamily="49" charset="0"/>
+                <a:cs typeface="Courier New" panose="02070309020205020404" pitchFamily="49" charset="0"/>
+              </a:rPr>
+              <a:t>long</a:t>
+            </a:r>
+            <a:r>
+              <a:rPr lang="en-US" sz="2000" b="1">
+                <a:latin typeface="Courier New" panose="02070309020205020404" pitchFamily="49" charset="0"/>
+                <a:cs typeface="Courier New" panose="02070309020205020404" pitchFamily="49" charset="0"/>
+              </a:rPr>
+              <a:t> *array = cs1010_read_long_array(</a:t>
+            </a:r>
+            <a:r>
+              <a:rPr lang="en-US" sz="2000" b="1">
+                <a:solidFill>
+                  <a:srgbClr val="C00000"/>
+                </a:solidFill>
+                <a:latin typeface="Courier New" panose="02070309020205020404" pitchFamily="49" charset="0"/>
+                <a:cs typeface="Courier New" panose="02070309020205020404" pitchFamily="49" charset="0"/>
+              </a:rPr>
+              <a:t>10</a:t>
+            </a:r>
+            <a:r>
+              <a:rPr lang="en-US" sz="2000" b="1">
+                <a:latin typeface="Courier New" panose="02070309020205020404" pitchFamily="49" charset="0"/>
+                <a:cs typeface="Courier New" panose="02070309020205020404" pitchFamily="49" charset="0"/>
+              </a:rPr>
+              <a:t>);</a:t>
+            </a:r>
+          </a:p>
+          <a:p>
+            <a:pPr>
+              <a:tabLst>
+                <a:tab pos="293688" algn="l"/>
+                <a:tab pos="620713" algn="l"/>
+              </a:tabLst>
+            </a:pPr>
+            <a:endParaRPr lang="en-US" sz="2000" b="1">
+              <a:solidFill>
+                <a:srgbClr val="0000FF"/>
+              </a:solidFill>
+              <a:latin typeface="Courier New" panose="02070309020205020404" pitchFamily="49" charset="0"/>
+              <a:cs typeface="Courier New" panose="02070309020205020404" pitchFamily="49" charset="0"/>
+            </a:endParaRPr>
+          </a:p>
+          <a:p>
+            <a:pPr>
+              <a:tabLst>
+                <a:tab pos="293688" algn="l"/>
+                <a:tab pos="620713" algn="l"/>
+              </a:tabLst>
+            </a:pPr>
+            <a:r>
+              <a:rPr lang="en-US" sz="2000" b="1">
+                <a:solidFill>
+                  <a:srgbClr val="0000FF"/>
+                </a:solidFill>
+                <a:latin typeface="Courier New" panose="02070309020205020404" pitchFamily="49" charset="0"/>
+                <a:cs typeface="Courier New" panose="02070309020205020404" pitchFamily="49" charset="0"/>
+              </a:rPr>
+              <a:t>for</a:t>
+            </a:r>
+            <a:r>
+              <a:rPr lang="en-US" sz="2000" b="1">
+                <a:latin typeface="Courier New" panose="02070309020205020404" pitchFamily="49" charset="0"/>
+                <a:cs typeface="Courier New" panose="02070309020205020404" pitchFamily="49" charset="0"/>
+              </a:rPr>
+              <a:t> (</a:t>
+            </a:r>
+            <a:r>
+              <a:rPr lang="en-US" sz="2000" b="1">
+                <a:solidFill>
+                  <a:srgbClr val="0000FF"/>
+                </a:solidFill>
+                <a:latin typeface="Courier New" panose="02070309020205020404" pitchFamily="49" charset="0"/>
+                <a:cs typeface="Courier New" panose="02070309020205020404" pitchFamily="49" charset="0"/>
+              </a:rPr>
+              <a:t>long</a:t>
+            </a:r>
+            <a:r>
+              <a:rPr lang="en-US" sz="2000" b="1">
+                <a:latin typeface="Courier New" panose="02070309020205020404" pitchFamily="49" charset="0"/>
+                <a:cs typeface="Courier New" panose="02070309020205020404" pitchFamily="49" charset="0"/>
+              </a:rPr>
+              <a:t> </a:t>
+            </a:r>
+            <a:r>
+              <a:rPr lang="en-US" sz="2000" b="1" err="1">
+                <a:latin typeface="Courier New" panose="02070309020205020404" pitchFamily="49" charset="0"/>
+                <a:cs typeface="Courier New" panose="02070309020205020404" pitchFamily="49" charset="0"/>
+              </a:rPr>
+              <a:t>i</a:t>
+            </a:r>
+            <a:r>
+              <a:rPr lang="en-US" sz="2000" b="1">
+                <a:latin typeface="Courier New" panose="02070309020205020404" pitchFamily="49" charset="0"/>
+                <a:cs typeface="Courier New" panose="02070309020205020404" pitchFamily="49" charset="0"/>
+              </a:rPr>
+              <a:t> = </a:t>
+            </a:r>
+            <a:r>
+              <a:rPr lang="en-US" sz="2000" b="1">
+                <a:solidFill>
+                  <a:srgbClr val="C00000"/>
+                </a:solidFill>
+                <a:latin typeface="Courier New" panose="02070309020205020404" pitchFamily="49" charset="0"/>
+                <a:cs typeface="Courier New" panose="02070309020205020404" pitchFamily="49" charset="0"/>
+              </a:rPr>
+              <a:t>0</a:t>
+            </a:r>
+            <a:r>
+              <a:rPr lang="en-US" sz="2000" b="1">
+                <a:latin typeface="Courier New" panose="02070309020205020404" pitchFamily="49" charset="0"/>
+                <a:cs typeface="Courier New" panose="02070309020205020404" pitchFamily="49" charset="0"/>
+              </a:rPr>
+              <a:t>; </a:t>
+            </a:r>
+            <a:r>
+              <a:rPr lang="en-US" sz="2000" b="1" err="1">
+                <a:latin typeface="Courier New" panose="02070309020205020404" pitchFamily="49" charset="0"/>
+                <a:cs typeface="Courier New" panose="02070309020205020404" pitchFamily="49" charset="0"/>
+              </a:rPr>
+              <a:t>i</a:t>
+            </a:r>
+            <a:r>
+              <a:rPr lang="en-US" sz="2000" b="1">
+                <a:latin typeface="Courier New" panose="02070309020205020404" pitchFamily="49" charset="0"/>
+                <a:cs typeface="Courier New" panose="02070309020205020404" pitchFamily="49" charset="0"/>
+              </a:rPr>
+              <a:t> &lt;= </a:t>
+            </a:r>
+            <a:r>
+              <a:rPr lang="en-US" sz="2000" b="1">
+                <a:solidFill>
+                  <a:srgbClr val="C00000"/>
+                </a:solidFill>
+                <a:latin typeface="Courier New" panose="02070309020205020404" pitchFamily="49" charset="0"/>
+                <a:cs typeface="Courier New" panose="02070309020205020404" pitchFamily="49" charset="0"/>
+              </a:rPr>
+              <a:t>10</a:t>
+            </a:r>
+            <a:r>
+              <a:rPr lang="en-US" sz="2000" b="1">
+                <a:latin typeface="Courier New" panose="02070309020205020404" pitchFamily="49" charset="0"/>
+                <a:cs typeface="Courier New" panose="02070309020205020404" pitchFamily="49" charset="0"/>
+              </a:rPr>
+              <a:t>; </a:t>
+            </a:r>
+            <a:r>
+              <a:rPr lang="en-US" sz="2000" b="1" err="1">
+                <a:latin typeface="Courier New" panose="02070309020205020404" pitchFamily="49" charset="0"/>
+                <a:cs typeface="Courier New" panose="02070309020205020404" pitchFamily="49" charset="0"/>
+              </a:rPr>
+              <a:t>i</a:t>
+            </a:r>
+            <a:r>
+              <a:rPr lang="en-US" sz="2000" b="1">
+                <a:latin typeface="Courier New" panose="02070309020205020404" pitchFamily="49" charset="0"/>
+                <a:cs typeface="Courier New" panose="02070309020205020404" pitchFamily="49" charset="0"/>
+              </a:rPr>
+              <a:t> += </a:t>
+            </a:r>
+            <a:r>
+              <a:rPr lang="en-US" sz="2000" b="1">
+                <a:solidFill>
+                  <a:srgbClr val="C00000"/>
+                </a:solidFill>
+                <a:latin typeface="Courier New" panose="02070309020205020404" pitchFamily="49" charset="0"/>
+                <a:cs typeface="Courier New" panose="02070309020205020404" pitchFamily="49" charset="0"/>
+              </a:rPr>
+              <a:t>1</a:t>
+            </a:r>
+            <a:r>
+              <a:rPr lang="en-US" sz="2000" b="1">
+                <a:latin typeface="Courier New" panose="02070309020205020404" pitchFamily="49" charset="0"/>
+                <a:cs typeface="Courier New" panose="02070309020205020404" pitchFamily="49" charset="0"/>
+              </a:rPr>
+              <a:t>) {</a:t>
+            </a:r>
+          </a:p>
+          <a:p>
+            <a:pPr>
+              <a:tabLst>
+                <a:tab pos="293688" algn="l"/>
+                <a:tab pos="620713" algn="l"/>
+              </a:tabLst>
+            </a:pPr>
+            <a:r>
+              <a:rPr lang="en-US" sz="2000" b="1">
+                <a:latin typeface="Courier New" panose="02070309020205020404" pitchFamily="49" charset="0"/>
+                <a:cs typeface="Courier New" panose="02070309020205020404" pitchFamily="49" charset="0"/>
+              </a:rPr>
+              <a:t>    cs1010_println_long(array[</a:t>
+            </a:r>
+            <a:r>
+              <a:rPr lang="en-US" sz="2000" b="1" err="1">
+                <a:latin typeface="Courier New" panose="02070309020205020404" pitchFamily="49" charset="0"/>
+                <a:cs typeface="Courier New" panose="02070309020205020404" pitchFamily="49" charset="0"/>
+              </a:rPr>
+              <a:t>i</a:t>
+            </a:r>
+            <a:r>
+              <a:rPr lang="en-US" sz="2000" b="1">
+                <a:latin typeface="Courier New" panose="02070309020205020404" pitchFamily="49" charset="0"/>
+                <a:cs typeface="Courier New" panose="02070309020205020404" pitchFamily="49" charset="0"/>
+              </a:rPr>
+              <a:t>]);</a:t>
+            </a:r>
+          </a:p>
+          <a:p>
+            <a:pPr>
+              <a:tabLst>
+                <a:tab pos="293688" algn="l"/>
+                <a:tab pos="620713" algn="l"/>
+              </a:tabLst>
+            </a:pPr>
+            <a:r>
+              <a:rPr lang="en-US" sz="2000" b="1">
+                <a:latin typeface="Courier New" panose="02070309020205020404" pitchFamily="49" charset="0"/>
+                <a:cs typeface="Courier New" panose="02070309020205020404" pitchFamily="49" charset="0"/>
+              </a:rPr>
+              <a:t>}</a:t>
+            </a:r>
+          </a:p>
+        </p:txBody>
+      </p:sp>
+      <p:sp>
+        <p:nvSpPr>
+          <p:cNvPr id="18" name="TextBox 17">
+            <a:extLst>
+              <a:ext uri="{FF2B5EF4-FFF2-40B4-BE49-F238E27FC236}">
+                <a16:creationId xmlns:a16="http://schemas.microsoft.com/office/drawing/2014/main" id="{8EDF81D3-9BFD-4CE4-953A-D2263653293A}"/>
+              </a:ext>
+            </a:extLst>
+          </p:cNvPr>
+          <p:cNvSpPr txBox="1"/>
+          <p:nvPr/>
+        </p:nvSpPr>
+        <p:spPr>
+          <a:xfrm>
+            <a:off x="6930502" y="4906742"/>
+            <a:ext cx="1626123" cy="646331"/>
+          </a:xfrm>
+          <a:prstGeom prst="rect">
+            <a:avLst/>
+          </a:prstGeom>
+          <a:solidFill>
+            <a:srgbClr val="FFFF99"/>
+          </a:solidFill>
+          <a:ln w="12700"/>
+        </p:spPr>
+        <p:style>
+          <a:lnRef idx="2">
+            <a:schemeClr val="accent4"/>
+          </a:lnRef>
+          <a:fillRef idx="1">
+            <a:schemeClr val="lt1"/>
+          </a:fillRef>
+          <a:effectRef idx="0">
+            <a:schemeClr val="accent4"/>
+          </a:effectRef>
+          <a:fontRef idx="minor">
+            <a:schemeClr val="dk1"/>
+          </a:fontRef>
+        </p:style>
+        <p:txBody>
+          <a:bodyPr wrap="square" rtlCol="0">
+            <a:spAutoFit/>
+          </a:bodyPr>
+          <a:lstStyle/>
+          <a:p>
+            <a:r>
+              <a:rPr lang="en-SG"/>
+              <a:t>array[10] is out of bound!</a:t>
             </a:r>
             <a:endParaRPr lang="en-US"/>
           </a:p>
@@ -13304,7 +14346,7 @@
     </p:spTree>
     <p:extLst>
       <p:ext uri="{BB962C8B-B14F-4D97-AF65-F5344CB8AC3E}">
-        <p14:creationId xmlns:p14="http://schemas.microsoft.com/office/powerpoint/2010/main" val="282410985"/>
+        <p14:creationId xmlns:p14="http://schemas.microsoft.com/office/powerpoint/2010/main" val="3042096305"/>
       </p:ext>
     </p:extLst>
   </p:cSld>
@@ -13348,7 +14390,56 @@
                                           </p:stCondLst>
                                         </p:cTn>
                                         <p:tgtEl>
-                                          <p:spTgt spid="10"/>
+                                          <p:spTgt spid="14"/>
+                                        </p:tgtEl>
+                                        <p:attrNameLst>
+                                          <p:attrName>style.visibility</p:attrName>
+                                        </p:attrNameLst>
+                                      </p:cBhvr>
+                                      <p:to>
+                                        <p:strVal val="visible"/>
+                                      </p:to>
+                                    </p:set>
+                                  </p:childTnLst>
+                                </p:cTn>
+                              </p:par>
+                            </p:childTnLst>
+                          </p:cTn>
+                        </p:par>
+                      </p:childTnLst>
+                    </p:cTn>
+                  </p:par>
+                  <p:par>
+                    <p:cTn id="7" fill="hold">
+                      <p:stCondLst>
+                        <p:cond delay="indefinite"/>
+                      </p:stCondLst>
+                      <p:childTnLst>
+                        <p:par>
+                          <p:cTn id="8" fill="hold">
+                            <p:stCondLst>
+                              <p:cond delay="0"/>
+                            </p:stCondLst>
+                            <p:childTnLst>
+                              <p:par>
+                                <p:cTn id="9" presetID="1" presetClass="entr" presetSubtype="0" fill="hold" nodeType="clickEffect">
+                                  <p:stCondLst>
+                                    <p:cond delay="0"/>
+                                  </p:stCondLst>
+                                  <p:childTnLst>
+                                    <p:set>
+                                      <p:cBhvr>
+                                        <p:cTn id="10" dur="1" fill="hold">
+                                          <p:stCondLst>
+                                            <p:cond delay="0"/>
+                                          </p:stCondLst>
+                                        </p:cTn>
+                                        <p:tgtEl>
+                                          <p:spTgt spid="9">
+                                            <p:txEl>
+                                              <p:pRg st="3" end="3"/>
+                                            </p:txEl>
+                                          </p:spTgt>
                                         </p:tgtEl>
                                         <p:attrNameLst>
                                           <p:attrName>style.visibility</p:attrName>
@@ -13362,20 +14453,65 @@
                                 </p:cTn>
                               </p:par>
                               <p:par>
-                                <p:cTn id="7" presetID="1" presetClass="entr" presetSubtype="0" fill="hold" nodeType="withEffect">
+                                <p:cTn id="11" presetID="1" presetClass="entr" presetSubtype="0" fill="hold" grpId="0" nodeType="withEffect">
                                   <p:stCondLst>
                                     <p:cond delay="0"/>
                                   </p:stCondLst>
                                   <p:childTnLst>
                                     <p:set>
                                       <p:cBhvr>
-                                        <p:cTn id="8" dur="1" fill="hold">
+                                        <p:cTn id="12" dur="1" fill="hold">
                                           <p:stCondLst>
                                             <p:cond delay="0"/>
                                           </p:stCondLst>
                                         </p:cTn>
                                         <p:tgtEl>
-                                          <p:spTgt spid="11"/>
+                                          <p:spTgt spid="15"/>
+                                        </p:tgtEl>
+                                        <p:attrNameLst>
+                                          <p:attrName>style.visibility</p:attrName>
+                                        </p:attrNameLst>
+                                      </p:cBhvr>
+                                      <p:to>
+                                        <p:strVal val="visible"/>
+                                      </p:to>
+                                    </p:set>
+                                  </p:childTnLst>
+                                </p:cTn>
+                              </p:par>
+                            </p:childTnLst>
+                          </p:cTn>
+                        </p:par>
+                      </p:childTnLst>
+                    </p:cTn>
+                  </p:par>
+                  <p:par>
+                    <p:cTn id="13" fill="hold">
+                      <p:stCondLst>
+                        <p:cond delay="indefinite"/>
+                      </p:stCondLst>
+                      <p:childTnLst>
+                        <p:par>
+                          <p:cTn id="14" fill="hold">
+                            <p:stCondLst>
+                              <p:cond delay="0"/>
+                            </p:stCondLst>
+                            <p:childTnLst>
+                              <p:par>
+                                <p:cTn id="15" presetID="1" presetClass="entr" presetSubtype="0" fill="hold" grpId="0" nodeType="clickEffect">
+                                  <p:stCondLst>
+                                    <p:cond delay="0"/>
+                                  </p:stCondLst>
+                                  <p:childTnLst>
+                                    <p:set>
+                                      <p:cBhvr>
+                                        <p:cTn id="16" dur="1" fill="hold">
+                                          <p:stCondLst>
+                                            <p:cond delay="0"/>
+                                          </p:stCondLst>
+                                        </p:cTn>
+                                        <p:tgtEl>
+                                          <p:spTgt spid="18"/>
                                         </p:tgtEl>
                                         <p:attrNameLst>
                                           <p:attrName>style.visibility</p:attrName>
@@ -13416,13 +14552,15 @@
       </p:par>
     </p:tnLst>
     <p:bldLst>
-      <p:bldP spid="10" grpId="0" animBg="1"/>
+      <p:bldP spid="14" grpId="0" animBg="1"/>
+      <p:bldP spid="15" grpId="0" animBg="1"/>
+      <p:bldP spid="18" grpId="0" animBg="1"/>
     </p:bldLst>
   </p:timing>
 </p:sld>
 </file>
 
-<file path=ppt/slides/slide5.xml><?xml version="1.0" encoding="utf-8"?>
+<file path=ppt/slides/slide6.xml><?xml version="1.0" encoding="utf-8"?>
 <p:sld xmlns:a="http://schemas.openxmlformats.org/drawingml/2006/main" xmlns:r="http://schemas.openxmlformats.org/officeDocument/2006/relationships" xmlns:p="http://schemas.openxmlformats.org/presentationml/2006/main">
   <p:cSld>
     <p:spTree>
@@ -13502,7 +14640,7 @@
               <a:pPr>
                 <a:defRPr/>
               </a:pPr>
-              <a:t>5</a:t>
+              <a:t>6</a:t>
             </a:fld>
             <a:endParaRPr lang="en-US"/>
           </a:p>
@@ -16641,246 +17779,10 @@
   <p:transition>
     <p:fade/>
   </p:transition>
-  <p:timing>
-    <p:tnLst>
-      <p:par>
-        <p:cTn id="1" dur="indefinite" restart="never" nodeType="tmRoot">
-          <p:childTnLst>
-            <p:seq concurrent="1" nextAc="seek">
-              <p:cTn id="2" dur="indefinite" nodeType="mainSeq">
-                <p:childTnLst>
-                  <p:par>
-                    <p:cTn id="3" fill="hold">
-                      <p:stCondLst>
-                        <p:cond delay="indefinite"/>
-                      </p:stCondLst>
-                      <p:childTnLst>
-                        <p:par>
-                          <p:cTn id="4" fill="hold">
-                            <p:stCondLst>
-                              <p:cond delay="0"/>
-                            </p:stCondLst>
-                            <p:childTnLst>
-                              <p:par>
-                                <p:cTn id="5" presetID="9" presetClass="entr" presetSubtype="0" fill="hold" nodeType="clickEffect">
-                                  <p:stCondLst>
-                                    <p:cond delay="0"/>
-                                  </p:stCondLst>
-                                  <p:childTnLst>
-                                    <p:set>
-                                      <p:cBhvr>
-                                        <p:cTn id="6" dur="1" fill="hold">
-                                          <p:stCondLst>
-                                            <p:cond delay="0"/>
-                                          </p:stCondLst>
-                                        </p:cTn>
-                                        <p:tgtEl>
-                                          <p:spTgt spid="13">
-                                            <p:txEl>
-                                              <p:pRg st="0" end="0"/>
-                                            </p:txEl>
-                                          </p:spTgt>
-                                        </p:tgtEl>
-                                        <p:attrNameLst>
-                                          <p:attrName>style.visibility</p:attrName>
-                                        </p:attrNameLst>
-                                      </p:cBhvr>
-                                      <p:to>
-                                        <p:strVal val="visible"/>
-                                      </p:to>
-                                    </p:set>
-                                    <p:animEffect transition="in" filter="dissolve">
-                                      <p:cBhvr>
-                                        <p:cTn id="7" dur="500"/>
-                                        <p:tgtEl>
-                                          <p:spTgt spid="13">
-                                            <p:txEl>
-                                              <p:pRg st="0" end="0"/>
-                                            </p:txEl>
-                                          </p:spTgt>
-                                        </p:tgtEl>
-                                      </p:cBhvr>
-                                    </p:animEffect>
-                                  </p:childTnLst>
-                                </p:cTn>
-                              </p:par>
-                            </p:childTnLst>
-                          </p:cTn>
-                        </p:par>
-                        <p:par>
-                          <p:cTn id="8" fill="hold">
-                            <p:stCondLst>
-                              <p:cond delay="500"/>
-                            </p:stCondLst>
-                            <p:childTnLst>
-                              <p:par>
-                                <p:cTn id="9" presetID="9" presetClass="entr" presetSubtype="0" fill="hold" grpId="0" nodeType="afterEffect">
-                                  <p:stCondLst>
-                                    <p:cond delay="0"/>
-                                  </p:stCondLst>
-                                  <p:childTnLst>
-                                    <p:set>
-                                      <p:cBhvr>
-                                        <p:cTn id="10" dur="1" fill="hold">
-                                          <p:stCondLst>
-                                            <p:cond delay="0"/>
-                                          </p:stCondLst>
-                                        </p:cTn>
-                                        <p:tgtEl>
-                                          <p:spTgt spid="39"/>
-                                        </p:tgtEl>
-                                        <p:attrNameLst>
-                                          <p:attrName>style.visibility</p:attrName>
-                                        </p:attrNameLst>
-                                      </p:cBhvr>
-                                      <p:to>
-                                        <p:strVal val="visible"/>
-                                      </p:to>
-                                    </p:set>
-                                    <p:animEffect transition="in" filter="dissolve">
-                                      <p:cBhvr>
-                                        <p:cTn id="11" dur="500"/>
-                                        <p:tgtEl>
-                                          <p:spTgt spid="39"/>
-                                        </p:tgtEl>
-                                      </p:cBhvr>
-                                    </p:animEffect>
-                                  </p:childTnLst>
-                                </p:cTn>
-                              </p:par>
-                            </p:childTnLst>
-                          </p:cTn>
-                        </p:par>
-                      </p:childTnLst>
-                    </p:cTn>
-                  </p:par>
-                  <p:par>
-                    <p:cTn id="12" fill="hold">
-                      <p:stCondLst>
-                        <p:cond delay="indefinite"/>
-                      </p:stCondLst>
-                      <p:childTnLst>
-                        <p:par>
-                          <p:cTn id="13" fill="hold">
-                            <p:stCondLst>
-                              <p:cond delay="0"/>
-                            </p:stCondLst>
-                            <p:childTnLst>
-                              <p:par>
-                                <p:cTn id="14" presetID="9" presetClass="entr" presetSubtype="0" fill="hold" grpId="0" nodeType="clickEffect">
-                                  <p:stCondLst>
-                                    <p:cond delay="0"/>
-                                  </p:stCondLst>
-                                  <p:childTnLst>
-                                    <p:set>
-                                      <p:cBhvr>
-                                        <p:cTn id="15" dur="1" fill="hold">
-                                          <p:stCondLst>
-                                            <p:cond delay="0"/>
-                                          </p:stCondLst>
-                                        </p:cTn>
-                                        <p:tgtEl>
-                                          <p:spTgt spid="40"/>
-                                        </p:tgtEl>
-                                        <p:attrNameLst>
-                                          <p:attrName>style.visibility</p:attrName>
-                                        </p:attrNameLst>
-                                      </p:cBhvr>
-                                      <p:to>
-                                        <p:strVal val="visible"/>
-                                      </p:to>
-                                    </p:set>
-                                    <p:animEffect transition="in" filter="dissolve">
-                                      <p:cBhvr>
-                                        <p:cTn id="16" dur="500"/>
-                                        <p:tgtEl>
-                                          <p:spTgt spid="40"/>
-                                        </p:tgtEl>
-                                      </p:cBhvr>
-                                    </p:animEffect>
-                                  </p:childTnLst>
-                                </p:cTn>
-                              </p:par>
-                            </p:childTnLst>
-                          </p:cTn>
-                        </p:par>
-                        <p:par>
-                          <p:cTn id="17" fill="hold">
-                            <p:stCondLst>
-                              <p:cond delay="500"/>
-                            </p:stCondLst>
-                            <p:childTnLst>
-                              <p:par>
-                                <p:cTn id="18" presetID="9" presetClass="entr" presetSubtype="0" fill="hold" nodeType="afterEffect">
-                                  <p:stCondLst>
-                                    <p:cond delay="0"/>
-                                  </p:stCondLst>
-                                  <p:childTnLst>
-                                    <p:set>
-                                      <p:cBhvr>
-                                        <p:cTn id="19" dur="1" fill="hold">
-                                          <p:stCondLst>
-                                            <p:cond delay="0"/>
-                                          </p:stCondLst>
-                                        </p:cTn>
-                                        <p:tgtEl>
-                                          <p:spTgt spid="6"/>
-                                        </p:tgtEl>
-                                        <p:attrNameLst>
-                                          <p:attrName>style.visibility</p:attrName>
-                                        </p:attrNameLst>
-                                      </p:cBhvr>
-                                      <p:to>
-                                        <p:strVal val="visible"/>
-                                      </p:to>
-                                    </p:set>
-                                    <p:animEffect transition="in" filter="dissolve">
-                                      <p:cBhvr>
-                                        <p:cTn id="20" dur="500"/>
-                                        <p:tgtEl>
-                                          <p:spTgt spid="6"/>
-                                        </p:tgtEl>
-                                      </p:cBhvr>
-                                    </p:animEffect>
-                                  </p:childTnLst>
-                                </p:cTn>
-                              </p:par>
-                            </p:childTnLst>
-                          </p:cTn>
-                        </p:par>
-                      </p:childTnLst>
-                    </p:cTn>
-                  </p:par>
-                </p:childTnLst>
-              </p:cTn>
-              <p:prevCondLst>
-                <p:cond evt="onPrev" delay="0">
-                  <p:tgtEl>
-                    <p:sldTgt/>
-                  </p:tgtEl>
-                </p:cond>
-              </p:prevCondLst>
-              <p:nextCondLst>
-                <p:cond evt="onNext" delay="0">
-                  <p:tgtEl>
-                    <p:sldTgt/>
-                  </p:tgtEl>
-                </p:cond>
-              </p:nextCondLst>
-            </p:seq>
-          </p:childTnLst>
-        </p:cTn>
-      </p:par>
-    </p:tnLst>
-    <p:bldLst>
-      <p:bldP spid="39" grpId="0" animBg="1"/>
-      <p:bldP spid="40" grpId="0" animBg="1"/>
-    </p:bldLst>
-  </p:timing>
 </p:sld>
 </file>
 
-<file path=ppt/slides/slide6.xml><?xml version="1.0" encoding="utf-8"?>
+<file path=ppt/slides/slide7.xml><?xml version="1.0" encoding="utf-8"?>
 <p:sld xmlns:a="http://schemas.openxmlformats.org/drawingml/2006/main" xmlns:r="http://schemas.openxmlformats.org/officeDocument/2006/relationships" xmlns:p="http://schemas.openxmlformats.org/presentationml/2006/main">
   <p:cSld>
     <p:spTree>
@@ -16959,7 +17861,7 @@
               <a:pPr>
                 <a:defRPr/>
               </a:pPr>
-              <a:t>6</a:t>
+              <a:t>7</a:t>
             </a:fld>
             <a:endParaRPr lang="en-US"/>
           </a:p>
@@ -17127,7 +18029,7 @@
               <a:defRPr/>
             </a:pPr>
             <a:r>
-              <a:rPr lang="en-US" b="1">
+              <a:rPr lang="en-US" b="1" err="1">
                 <a:solidFill>
                   <a:srgbClr val="0000FF"/>
                 </a:solidFill>
@@ -17304,7 +18206,27 @@
                 <a:latin typeface="Courier New" pitchFamily="49" charset="0"/>
                 <a:cs typeface="Courier New" pitchFamily="49" charset="0"/>
               </a:rPr>
-              <a:t>(foo, </a:t>
+              <a:t>(</a:t>
+            </a:r>
+            <a:r>
+              <a:rPr lang="en-US" b="1">
+                <a:solidFill>
+                  <a:srgbClr val="000000"/>
+                </a:solidFill>
+                <a:highlight>
+                  <a:srgbClr val="FFFF00"/>
+                </a:highlight>
+                <a:latin typeface="Courier New" pitchFamily="49" charset="0"/>
+                <a:cs typeface="Courier New" pitchFamily="49" charset="0"/>
+              </a:rPr>
+              <a:t>foo</a:t>
+            </a:r>
+            <a:r>
+              <a:rPr lang="en-US" b="1">
+                <a:latin typeface="Courier New" pitchFamily="49" charset="0"/>
+                <a:cs typeface="Courier New" pitchFamily="49" charset="0"/>
+              </a:rPr>
+              <a:t>, </a:t>
             </a:r>
             <a:r>
               <a:rPr lang="en-US" b="1">
@@ -22656,66 +23578,6 @@
           </a:p>
         </p:txBody>
       </p:sp>
-      <p:sp>
-        <p:nvSpPr>
-          <p:cNvPr id="60" name="TextBox 59">
-            <a:extLst>
-              <a:ext uri="{FF2B5EF4-FFF2-40B4-BE49-F238E27FC236}">
-                <a16:creationId xmlns:a16="http://schemas.microsoft.com/office/drawing/2014/main" id="{3BA40477-BBC4-485C-A481-816E23593E32}"/>
-              </a:ext>
-            </a:extLst>
-          </p:cNvPr>
-          <p:cNvSpPr txBox="1"/>
-          <p:nvPr/>
-        </p:nvSpPr>
-        <p:spPr>
-          <a:xfrm>
-            <a:off x="6470493" y="5503189"/>
-            <a:ext cx="2216307" cy="923330"/>
-          </a:xfrm>
-          <a:prstGeom prst="rect">
-            <a:avLst/>
-          </a:prstGeom>
-          <a:solidFill>
-            <a:srgbClr val="CCFFFF"/>
-          </a:solidFill>
-          <a:ln w="12700"/>
-        </p:spPr>
-        <p:style>
-          <a:lnRef idx="2">
-            <a:schemeClr val="accent4"/>
-          </a:lnRef>
-          <a:fillRef idx="1">
-            <a:schemeClr val="lt1"/>
-          </a:fillRef>
-          <a:effectRef idx="0">
-            <a:schemeClr val="accent4"/>
-          </a:effectRef>
-          <a:fontRef idx="minor">
-            <a:schemeClr val="dk1"/>
-          </a:fontRef>
-        </p:style>
-        <p:txBody>
-          <a:bodyPr wrap="square" rtlCol="0">
-            <a:spAutoFit/>
-          </a:bodyPr>
-          <a:lstStyle/>
-          <a:p>
-            <a:r>
-              <a:rPr lang="en-US"/>
-              <a:t>What happens if </a:t>
-            </a:r>
-            <a:r>
-              <a:rPr lang="en-US" err="1"/>
-              <a:t>doubleArray</a:t>
-            </a:r>
-            <a:r>
-              <a:rPr lang="en-US"/>
-              <a:t>(foo, 3) is called instead?</a:t>
-            </a:r>
-          </a:p>
-        </p:txBody>
-      </p:sp>
     </p:spTree>
     <p:extLst>
       <p:ext uri="{BB962C8B-B14F-4D97-AF65-F5344CB8AC3E}">
@@ -23287,51 +24149,6 @@
                       </p:childTnLst>
                     </p:cTn>
                   </p:par>
-                  <p:par>
-                    <p:cTn id="54" fill="hold">
-                      <p:stCondLst>
-                        <p:cond delay="indefinite"/>
-                      </p:stCondLst>
-                      <p:childTnLst>
-                        <p:par>
-                          <p:cTn id="55" fill="hold">
-                            <p:stCondLst>
-                              <p:cond delay="0"/>
-                            </p:stCondLst>
-                            <p:childTnLst>
-                              <p:par>
-                                <p:cTn id="56" presetID="1" presetClass="entr" presetSubtype="0" fill="hold" grpId="0" nodeType="clickEffect">
-                                  <p:stCondLst>
-                                    <p:cond delay="0"/>
-                                  </p:stCondLst>
-                                  <p:childTnLst>
-                                    <p:set>
-                                      <p:cBhvr>
-                                        <p:cTn id="57" dur="1" fill="hold">
-                                          <p:stCondLst>
-                                            <p:cond delay="0"/>
-                                          </p:stCondLst>
-                                        </p:cTn>
-                                        <p:tgtEl>
-                                          <p:spTgt spid="60"/>
-                                        </p:tgtEl>
-                                        <p:attrNameLst>
-                                          <p:attrName>style.visibility</p:attrName>
-                                        </p:attrNameLst>
-                                      </p:cBhvr>
-                                      <p:to>
-                                        <p:strVal val="visible"/>
-                                      </p:to>
-                                    </p:set>
-                                  </p:childTnLst>
-                                </p:cTn>
-                              </p:par>
-                            </p:childTnLst>
-                          </p:cTn>
-                        </p:par>
-                      </p:childTnLst>
-                    </p:cTn>
-                  </p:par>
                 </p:childTnLst>
               </p:cTn>
               <p:prevCondLst>
@@ -23363,13 +24180,12 @@
       <p:bldP spid="55" grpId="0" animBg="1"/>
       <p:bldP spid="56" grpId="0" animBg="1"/>
       <p:bldP spid="57" grpId="0" animBg="1"/>
-      <p:bldP spid="60" grpId="0" animBg="1"/>
     </p:bldLst>
   </p:timing>
 </p:sld>
 </file>
 
-<file path=ppt/slides/slide7.xml><?xml version="1.0" encoding="utf-8"?>
+<file path=ppt/slides/slide8.xml><?xml version="1.0" encoding="utf-8"?>
 <p:sld xmlns:a="http://schemas.openxmlformats.org/drawingml/2006/main" xmlns:r="http://schemas.openxmlformats.org/officeDocument/2006/relationships" xmlns:p="http://schemas.openxmlformats.org/presentationml/2006/main">
   <p:cSld>
     <p:spTree>
@@ -23453,7 +24269,7 @@
               <a:pPr>
                 <a:defRPr/>
               </a:pPr>
-              <a:t>7</a:t>
+              <a:t>8</a:t>
             </a:fld>
             <a:endParaRPr sz="1200"/>
           </a:p>
@@ -24974,96 +25790,10 @@
   <p:transition>
     <p:fade/>
   </p:transition>
-  <p:timing>
-    <p:tnLst>
-      <p:par>
-        <p:cTn id="1" dur="indefinite" restart="never" nodeType="tmRoot">
-          <p:childTnLst>
-            <p:seq concurrent="1" nextAc="seek">
-              <p:cTn id="2" dur="indefinite" nodeType="mainSeq">
-                <p:childTnLst>
-                  <p:par>
-                    <p:cTn id="3" fill="hold">
-                      <p:stCondLst>
-                        <p:cond delay="indefinite"/>
-                        <p:cond evt="onBegin" delay="0">
-                          <p:tn val="2"/>
-                        </p:cond>
-                      </p:stCondLst>
-                      <p:childTnLst>
-                        <p:par>
-                          <p:cTn id="4" fill="hold">
-                            <p:stCondLst>
-                              <p:cond delay="0"/>
-                            </p:stCondLst>
-                            <p:childTnLst>
-                              <p:par>
-                                <p:cTn id="5" presetID="9" presetClass="entr" presetSubtype="0" fill="hold" nodeType="afterEffect">
-                                  <p:stCondLst>
-                                    <p:cond delay="0"/>
-                                  </p:stCondLst>
-                                  <p:childTnLst>
-                                    <p:set>
-                                      <p:cBhvr>
-                                        <p:cTn id="6" dur="1" fill="hold">
-                                          <p:stCondLst>
-                                            <p:cond delay="0"/>
-                                          </p:stCondLst>
-                                        </p:cTn>
-                                        <p:tgtEl>
-                                          <p:spTgt spid="15"/>
-                                        </p:tgtEl>
-                                        <p:attrNameLst>
-                                          <p:attrName>style.visibility</p:attrName>
-                                        </p:attrNameLst>
-                                      </p:cBhvr>
-                                      <p:to>
-                                        <p:strVal val="visible"/>
-                                      </p:to>
-                                    </p:set>
-                                    <p:animEffect transition="in" filter="dissolve">
-                                      <p:cBhvr>
-                                        <p:cTn id="7" dur="500"/>
-                                        <p:tgtEl>
-                                          <p:spTgt spid="15"/>
-                                        </p:tgtEl>
-                                      </p:cBhvr>
-                                    </p:animEffect>
-                                  </p:childTnLst>
-                                </p:cTn>
-                              </p:par>
-                            </p:childTnLst>
-                          </p:cTn>
-                        </p:par>
-                      </p:childTnLst>
-                    </p:cTn>
-                  </p:par>
-                </p:childTnLst>
-              </p:cTn>
-              <p:prevCondLst>
-                <p:cond evt="onPrev" delay="0">
-                  <p:tgtEl>
-                    <p:sldTgt/>
-                  </p:tgtEl>
-                </p:cond>
-              </p:prevCondLst>
-              <p:nextCondLst>
-                <p:cond evt="onNext" delay="0">
-                  <p:tgtEl>
-                    <p:sldTgt/>
-                  </p:tgtEl>
-                </p:cond>
-              </p:nextCondLst>
-            </p:seq>
-          </p:childTnLst>
-        </p:cTn>
-      </p:par>
-    </p:tnLst>
-  </p:timing>
 </p:sld>
 </file>
 
-<file path=ppt/slides/slide8.xml><?xml version="1.0" encoding="utf-8"?>
+<file path=ppt/slides/slide9.xml><?xml version="1.0" encoding="utf-8"?>
 <p:sld xmlns:a="http://schemas.openxmlformats.org/drawingml/2006/main" xmlns:r="http://schemas.openxmlformats.org/officeDocument/2006/relationships" xmlns:p="http://schemas.openxmlformats.org/presentationml/2006/main">
   <p:cSld>
     <p:spTree>
@@ -25147,7 +25877,7 @@
               <a:pPr>
                 <a:defRPr/>
               </a:pPr>
-              <a:t>8</a:t>
+              <a:t>9</a:t>
             </a:fld>
             <a:endParaRPr sz="1200"/>
           </a:p>
@@ -25967,7 +26697,7 @@
                 <a:latin typeface="Courier New" panose="02070309020205020404" pitchFamily="49" charset="0"/>
                 <a:cs typeface="Courier New" panose="02070309020205020404" pitchFamily="49" charset="0"/>
               </a:rPr>
-              <a:t>long</a:t>
+              <a:t>char</a:t>
             </a:r>
             <a:r>
               <a:rPr lang="en-US" sz="2000" b="1">
@@ -26156,468 +26886,6 @@
     <p:extLst>
       <p:ext uri="{BB962C8B-B14F-4D97-AF65-F5344CB8AC3E}">
         <p14:creationId xmlns:p14="http://schemas.microsoft.com/office/powerpoint/2010/main" val="1235845528"/>
-      </p:ext>
-    </p:extLst>
-  </p:cSld>
-  <p:clrMapOvr>
-    <a:masterClrMapping/>
-  </p:clrMapOvr>
-  <p:transition>
-    <p:fade/>
-  </p:transition>
-</p:sld>
-</file>
-
-<file path=ppt/slides/slide9.xml><?xml version="1.0" encoding="utf-8"?>
-<p:sld xmlns:a="http://schemas.openxmlformats.org/drawingml/2006/main" xmlns:r="http://schemas.openxmlformats.org/officeDocument/2006/relationships" xmlns:p="http://schemas.openxmlformats.org/presentationml/2006/main">
-  <p:cSld>
-    <p:spTree>
-      <p:nvGrpSpPr>
-        <p:cNvPr id="1" name=""/>
-        <p:cNvGrpSpPr/>
-        <p:nvPr/>
-      </p:nvGrpSpPr>
-      <p:grpSpPr>
-        <a:xfrm>
-          <a:off x="0" y="0"/>
-          <a:ext cx="0" cy="0"/>
-          <a:chOff x="0" y="0"/>
-          <a:chExt cx="0" cy="0"/>
-        </a:xfrm>
-      </p:grpSpPr>
-      <p:sp>
-        <p:nvSpPr>
-          <p:cNvPr id="14338" name="Rectangle 2"/>
-          <p:cNvSpPr>
-            <a:spLocks noGrp="1" noChangeArrowheads="1"/>
-          </p:cNvSpPr>
-          <p:nvPr>
-            <p:ph type="title"/>
-          </p:nvPr>
-        </p:nvSpPr>
-        <p:spPr>
-          <a:xfrm>
-            <a:off x="533400" y="381000"/>
-            <a:ext cx="8382000" cy="838200"/>
-          </a:xfrm>
-        </p:spPr>
-        <p:txBody>
-          <a:bodyPr>
-            <a:normAutofit/>
-          </a:bodyPr>
-          <a:lstStyle/>
-          <a:p>
-            <a:r>
-              <a:rPr lang="en-GB" sz="3600">
-                <a:solidFill>
-                  <a:srgbClr val="0000FF"/>
-                </a:solidFill>
-              </a:rPr>
-              <a:t>Working with Strings</a:t>
-            </a:r>
-          </a:p>
-        </p:txBody>
-      </p:sp>
-      <p:sp>
-        <p:nvSpPr>
-          <p:cNvPr id="7" name="Slide Number Placeholder 6"/>
-          <p:cNvSpPr>
-            <a:spLocks noGrp="1"/>
-          </p:cNvSpPr>
-          <p:nvPr>
-            <p:ph type="sldNum" sz="quarter" idx="12"/>
-          </p:nvPr>
-        </p:nvSpPr>
-        <p:spPr/>
-        <p:txBody>
-          <a:bodyPr>
-            <a:normAutofit/>
-          </a:bodyPr>
-          <a:lstStyle/>
-          <a:p>
-            <a:pPr>
-              <a:defRPr/>
-            </a:pPr>
-            <a:r>
-              <a:rPr lang="en-US"/>
-              <a:t>Week6</a:t>
-            </a:r>
-            <a:r>
-              <a:rPr sz="1200"/>
-              <a:t> - </a:t>
-            </a:r>
-            <a:fld id="{F7EC234A-9094-4BB8-9EA4-75ECDA8A365B}" type="slidenum">
-              <a:rPr sz="1200" smtClean="0"/>
-              <a:pPr>
-                <a:defRPr/>
-              </a:pPr>
-              <a:t>9</a:t>
-            </a:fld>
-            <a:endParaRPr sz="1200"/>
-          </a:p>
-        </p:txBody>
-      </p:sp>
-      <p:sp>
-        <p:nvSpPr>
-          <p:cNvPr id="12" name="[Date Placeholder 3]"/>
-          <p:cNvSpPr>
-            <a:spLocks noGrp="1"/>
-          </p:cNvSpPr>
-          <p:nvPr>
-            <p:ph type="dt" sz="half" idx="10"/>
-          </p:nvPr>
-        </p:nvSpPr>
-        <p:spPr>
-          <a:xfrm>
-            <a:off x="457200" y="18288"/>
-            <a:ext cx="2895600" cy="329184"/>
-          </a:xfrm>
-        </p:spPr>
-        <p:txBody>
-          <a:bodyPr/>
-          <a:lstStyle/>
-          <a:p>
-            <a:pPr>
-              <a:defRPr/>
-            </a:pPr>
-            <a:r>
-              <a:rPr lang="en-US"/>
-              <a:t>© NUS</a:t>
-            </a:r>
-          </a:p>
-        </p:txBody>
-      </p:sp>
-      <p:sp>
-        <p:nvSpPr>
-          <p:cNvPr id="8" name="Content Placeholder 5"/>
-          <p:cNvSpPr>
-            <a:spLocks noGrp="1"/>
-          </p:cNvSpPr>
-          <p:nvPr>
-            <p:ph idx="1"/>
-          </p:nvPr>
-        </p:nvSpPr>
-        <p:spPr>
-          <a:xfrm>
-            <a:off x="587375" y="1187450"/>
-            <a:ext cx="8292856" cy="1415073"/>
-          </a:xfrm>
-        </p:spPr>
-        <p:txBody>
-          <a:bodyPr>
-            <a:normAutofit/>
-          </a:bodyPr>
-          <a:lstStyle/>
-          <a:p>
-            <a:pPr marL="347663" indent="-347663">
-              <a:spcBef>
-                <a:spcPts val="600"/>
-              </a:spcBef>
-              <a:buClr>
-                <a:schemeClr val="tx1">
-                  <a:lumMod val="90000"/>
-                  <a:lumOff val="10000"/>
-                </a:schemeClr>
-              </a:buClr>
-              <a:buSzPct val="100000"/>
-              <a:buFont typeface="Wingdings" panose="05000000000000000000" pitchFamily="2" charset="2"/>
-              <a:buChar char="§"/>
-              <a:defRPr/>
-            </a:pPr>
-            <a:r>
-              <a:rPr lang="en-US" sz="2800"/>
-              <a:t>String functions can used as well.</a:t>
-            </a:r>
-          </a:p>
-        </p:txBody>
-      </p:sp>
-      <p:sp>
-        <p:nvSpPr>
-          <p:cNvPr id="84" name="TextBox 83">
-            <a:extLst>
-              <a:ext uri="{FF2B5EF4-FFF2-40B4-BE49-F238E27FC236}">
-                <a16:creationId xmlns:a16="http://schemas.microsoft.com/office/drawing/2014/main" id="{C4E05674-68A2-0D4E-8B47-F7A2C6A6B76F}"/>
-              </a:ext>
-            </a:extLst>
-          </p:cNvPr>
-          <p:cNvSpPr txBox="1"/>
-          <p:nvPr/>
-        </p:nvSpPr>
-        <p:spPr>
-          <a:xfrm>
-            <a:off x="1011168" y="1758059"/>
-            <a:ext cx="3889605" cy="1015663"/>
-          </a:xfrm>
-          <a:prstGeom prst="rect">
-            <a:avLst/>
-          </a:prstGeom>
-          <a:solidFill>
-            <a:schemeClr val="bg1"/>
-          </a:solidFill>
-          <a:ln w="9525">
-            <a:solidFill>
-              <a:schemeClr val="tx1"/>
-            </a:solidFill>
-          </a:ln>
-        </p:spPr>
-        <p:style>
-          <a:lnRef idx="2">
-            <a:schemeClr val="accent6"/>
-          </a:lnRef>
-          <a:fillRef idx="1">
-            <a:schemeClr val="lt1"/>
-          </a:fillRef>
-          <a:effectRef idx="0">
-            <a:schemeClr val="accent6"/>
-          </a:effectRef>
-          <a:fontRef idx="minor">
-            <a:schemeClr val="dk1"/>
-          </a:fontRef>
-        </p:style>
-        <p:txBody>
-          <a:bodyPr wrap="square" lIns="91440" tIns="45720" rIns="91440" bIns="45720" rtlCol="0" anchor="t">
-            <a:spAutoFit/>
-          </a:bodyPr>
-          <a:lstStyle/>
-          <a:p>
-            <a:pPr>
-              <a:tabLst>
-                <a:tab pos="347663" algn="l"/>
-                <a:tab pos="682625" algn="l"/>
-                <a:tab pos="1087438" algn="l"/>
-                <a:tab pos="1377950" algn="l"/>
-                <a:tab pos="1712913" algn="l"/>
-              </a:tabLst>
-            </a:pPr>
-            <a:r>
-              <a:rPr lang="en-US" sz="2000" b="1">
-                <a:solidFill>
-                  <a:srgbClr val="0000FF"/>
-                </a:solidFill>
-                <a:latin typeface="Courier New" panose="02070309020205020404" pitchFamily="49" charset="0"/>
-                <a:cs typeface="Courier New" panose="02070309020205020404" pitchFamily="49" charset="0"/>
-              </a:rPr>
-              <a:t>char</a:t>
-            </a:r>
-            <a:r>
-              <a:rPr lang="en-US" sz="2000" b="1">
-                <a:solidFill>
-                  <a:schemeClr val="tx1"/>
-                </a:solidFill>
-                <a:latin typeface="Courier New" panose="02070309020205020404" pitchFamily="49" charset="0"/>
-                <a:cs typeface="Courier New" panose="02070309020205020404" pitchFamily="49" charset="0"/>
-              </a:rPr>
-              <a:t> </a:t>
-            </a:r>
-            <a:r>
-              <a:rPr lang="en-US" sz="2000" b="1" err="1">
-                <a:solidFill>
-                  <a:schemeClr val="tx1"/>
-                </a:solidFill>
-                <a:latin typeface="Courier New" panose="02070309020205020404" pitchFamily="49" charset="0"/>
-                <a:cs typeface="Courier New" panose="02070309020205020404" pitchFamily="49" charset="0"/>
-              </a:rPr>
-              <a:t>src</a:t>
-            </a:r>
-            <a:r>
-              <a:rPr lang="en-US" sz="2000" b="1">
-                <a:solidFill>
-                  <a:schemeClr val="tx1"/>
-                </a:solidFill>
-                <a:latin typeface="Courier New" panose="02070309020205020404" pitchFamily="49" charset="0"/>
-                <a:cs typeface="Courier New" panose="02070309020205020404" pitchFamily="49" charset="0"/>
-              </a:rPr>
-              <a:t>[</a:t>
-            </a:r>
-            <a:r>
-              <a:rPr lang="en-US" sz="2000" b="1">
-                <a:solidFill>
-                  <a:srgbClr val="C00000"/>
-                </a:solidFill>
-                <a:latin typeface="Courier New" panose="02070309020205020404" pitchFamily="49" charset="0"/>
-                <a:cs typeface="Courier New" panose="02070309020205020404" pitchFamily="49" charset="0"/>
-              </a:rPr>
-              <a:t>7</a:t>
-            </a:r>
-            <a:r>
-              <a:rPr lang="en-US" sz="2000" b="1">
-                <a:solidFill>
-                  <a:schemeClr val="tx1"/>
-                </a:solidFill>
-                <a:latin typeface="Courier New" panose="02070309020205020404" pitchFamily="49" charset="0"/>
-                <a:cs typeface="Courier New" panose="02070309020205020404" pitchFamily="49" charset="0"/>
-              </a:rPr>
-              <a:t>] = </a:t>
-            </a:r>
-            <a:r>
-              <a:rPr lang="en-US" sz="2000" b="1">
-                <a:solidFill>
-                  <a:srgbClr val="006600"/>
-                </a:solidFill>
-                <a:latin typeface="Courier New" panose="02070309020205020404" pitchFamily="49" charset="0"/>
-                <a:cs typeface="Courier New" panose="02070309020205020404" pitchFamily="49" charset="0"/>
-              </a:rPr>
-              <a:t>"hello!"</a:t>
-            </a:r>
-            <a:r>
-              <a:rPr lang="en-US" sz="2000" b="1">
-                <a:solidFill>
-                  <a:schemeClr val="tx1"/>
-                </a:solidFill>
-                <a:latin typeface="Courier New" panose="02070309020205020404" pitchFamily="49" charset="0"/>
-                <a:cs typeface="Courier New" panose="02070309020205020404" pitchFamily="49" charset="0"/>
-              </a:rPr>
-              <a:t>;</a:t>
-            </a:r>
-          </a:p>
-          <a:p>
-            <a:pPr>
-              <a:tabLst>
-                <a:tab pos="347663" algn="l"/>
-                <a:tab pos="682625" algn="l"/>
-                <a:tab pos="1087438" algn="l"/>
-                <a:tab pos="1377950" algn="l"/>
-                <a:tab pos="1712913" algn="l"/>
-              </a:tabLst>
-            </a:pPr>
-            <a:r>
-              <a:rPr lang="en-US" sz="2000" b="1">
-                <a:solidFill>
-                  <a:srgbClr val="0000FF"/>
-                </a:solidFill>
-                <a:latin typeface="Courier New" panose="02070309020205020404" pitchFamily="49" charset="0"/>
-                <a:cs typeface="Courier New" panose="02070309020205020404" pitchFamily="49" charset="0"/>
-              </a:rPr>
-              <a:t>char</a:t>
-            </a:r>
-            <a:r>
-              <a:rPr lang="en-US" sz="2000" b="1">
-                <a:solidFill>
-                  <a:schemeClr val="tx1"/>
-                </a:solidFill>
-                <a:latin typeface="Courier New" panose="02070309020205020404" pitchFamily="49" charset="0"/>
-                <a:cs typeface="Courier New" panose="02070309020205020404" pitchFamily="49" charset="0"/>
-              </a:rPr>
-              <a:t> </a:t>
-            </a:r>
-            <a:r>
-              <a:rPr lang="en-US" sz="2000" b="1" err="1">
-                <a:solidFill>
-                  <a:schemeClr val="tx1"/>
-                </a:solidFill>
-                <a:latin typeface="Courier New" panose="02070309020205020404" pitchFamily="49" charset="0"/>
-                <a:cs typeface="Courier New" panose="02070309020205020404" pitchFamily="49" charset="0"/>
-              </a:rPr>
-              <a:t>dst</a:t>
-            </a:r>
-            <a:r>
-              <a:rPr lang="en-US" sz="2000" b="1">
-                <a:solidFill>
-                  <a:schemeClr val="tx1"/>
-                </a:solidFill>
-                <a:latin typeface="Courier New" panose="02070309020205020404" pitchFamily="49" charset="0"/>
-                <a:cs typeface="Courier New" panose="02070309020205020404" pitchFamily="49" charset="0"/>
-              </a:rPr>
-              <a:t>[</a:t>
-            </a:r>
-            <a:r>
-              <a:rPr lang="en-US" sz="2000" b="1">
-                <a:solidFill>
-                  <a:srgbClr val="C00000"/>
-                </a:solidFill>
-                <a:latin typeface="Courier New" panose="02070309020205020404" pitchFamily="49" charset="0"/>
-                <a:cs typeface="Courier New" panose="02070309020205020404" pitchFamily="49" charset="0"/>
-              </a:rPr>
-              <a:t>7</a:t>
-            </a:r>
-            <a:r>
-              <a:rPr lang="en-US" sz="2000" b="1">
-                <a:solidFill>
-                  <a:schemeClr val="tx1"/>
-                </a:solidFill>
-                <a:latin typeface="Courier New" panose="02070309020205020404" pitchFamily="49" charset="0"/>
-                <a:cs typeface="Courier New" panose="02070309020205020404" pitchFamily="49" charset="0"/>
-              </a:rPr>
-              <a:t>];</a:t>
-            </a:r>
-          </a:p>
-          <a:p>
-            <a:pPr>
-              <a:tabLst>
-                <a:tab pos="347663" algn="l"/>
-                <a:tab pos="682625" algn="l"/>
-                <a:tab pos="1087438" algn="l"/>
-                <a:tab pos="1377950" algn="l"/>
-                <a:tab pos="1712913" algn="l"/>
-              </a:tabLst>
-            </a:pPr>
-            <a:r>
-              <a:rPr lang="en-US" sz="2000" b="1" err="1">
-                <a:solidFill>
-                  <a:schemeClr val="tx1"/>
-                </a:solidFill>
-                <a:latin typeface="Courier New" panose="02070309020205020404" pitchFamily="49" charset="0"/>
-                <a:cs typeface="Courier New" panose="02070309020205020404" pitchFamily="49" charset="0"/>
-              </a:rPr>
-              <a:t>strcpy</a:t>
-            </a:r>
-            <a:r>
-              <a:rPr lang="en-US" sz="2000" b="1">
-                <a:solidFill>
-                  <a:schemeClr val="tx1"/>
-                </a:solidFill>
-                <a:latin typeface="Courier New" panose="02070309020205020404" pitchFamily="49" charset="0"/>
-                <a:cs typeface="Courier New" panose="02070309020205020404" pitchFamily="49" charset="0"/>
-              </a:rPr>
-              <a:t>(</a:t>
-            </a:r>
-            <a:r>
-              <a:rPr lang="en-US" sz="2000" b="1" err="1">
-                <a:solidFill>
-                  <a:schemeClr val="tx1"/>
-                </a:solidFill>
-                <a:latin typeface="Courier New" panose="02070309020205020404" pitchFamily="49" charset="0"/>
-                <a:cs typeface="Courier New" panose="02070309020205020404" pitchFamily="49" charset="0"/>
-              </a:rPr>
-              <a:t>dst</a:t>
-            </a:r>
-            <a:r>
-              <a:rPr lang="en-US" sz="2000" b="1">
-                <a:solidFill>
-                  <a:schemeClr val="tx1"/>
-                </a:solidFill>
-                <a:latin typeface="Courier New" panose="02070309020205020404" pitchFamily="49" charset="0"/>
-                <a:cs typeface="Courier New" panose="02070309020205020404" pitchFamily="49" charset="0"/>
-              </a:rPr>
-              <a:t>, </a:t>
-            </a:r>
-            <a:r>
-              <a:rPr lang="en-US" sz="2000" b="1" err="1">
-                <a:solidFill>
-                  <a:schemeClr val="tx1"/>
-                </a:solidFill>
-                <a:latin typeface="Courier New" panose="02070309020205020404" pitchFamily="49" charset="0"/>
-                <a:cs typeface="Courier New" panose="02070309020205020404" pitchFamily="49" charset="0"/>
-              </a:rPr>
-              <a:t>src</a:t>
-            </a:r>
-            <a:r>
-              <a:rPr lang="en-US" sz="2000" b="1">
-                <a:solidFill>
-                  <a:schemeClr val="tx1"/>
-                </a:solidFill>
-                <a:latin typeface="Courier New" panose="02070309020205020404" pitchFamily="49" charset="0"/>
-                <a:cs typeface="Courier New" panose="02070309020205020404" pitchFamily="49" charset="0"/>
-              </a:rPr>
-              <a:t>);</a:t>
-            </a:r>
-          </a:p>
-        </p:txBody>
-      </p:sp>
-    </p:spTree>
-    <p:extLst>
-      <p:ext uri="{BB962C8B-B14F-4D97-AF65-F5344CB8AC3E}">
-        <p14:creationId xmlns:p14="http://schemas.microsoft.com/office/powerpoint/2010/main" val="1542002799"/>
       </p:ext>
     </p:extLst>
   </p:cSld>
